--- a/Slides/Azure Data Factory Fundamentals Dag 1.pptx
+++ b/Slides/Azure Data Factory Fundamentals Dag 1.pptx
@@ -234,7 +234,7 @@
           <a:p>
             <a:fld id="{506A7C9F-7078-400C-AFC7-04400CC6C0C9}" type="datetimeFigureOut">
               <a:rPr lang="nl-NL" smtClean="0"/>
-              <a:t>24-11-2021</a:t>
+              <a:t>26-6-2023</a:t>
             </a:fld>
             <a:endParaRPr lang="nl-NL"/>
           </a:p>
@@ -393,7 +393,7 @@
           <a:p>
             <a:fld id="{81639104-CD37-486E-9C7A-5184428EE9F5}" type="slidenum">
               <a:rPr lang="nl-NL" smtClean="0"/>
-              <a:t>‹nr.›</a:t>
+              <a:t>‹#›</a:t>
             </a:fld>
             <a:endParaRPr lang="nl-NL"/>
           </a:p>
@@ -7469,7 +7469,7 @@
           <a:p>
             <a:fld id="{15E48C8E-5BC6-4622-8CA1-3638D2A56CDE}" type="datetimeFigureOut">
               <a:rPr lang="nl-NL" smtClean="0"/>
-              <a:t>24-11-2021</a:t>
+              <a:t>26-6-2023</a:t>
             </a:fld>
             <a:endParaRPr lang="nl-NL"/>
           </a:p>
@@ -7523,12 +7523,48 @@
           <a:p>
             <a:fld id="{4598FA16-D37F-4D9F-BE93-8104C2D892CA}" type="slidenum">
               <a:rPr lang="nl-NL" smtClean="0"/>
-              <a:t>‹nr.›</a:t>
+              <a:t>‹#›</a:t>
             </a:fld>
             <a:endParaRPr lang="nl-NL"/>
           </a:p>
         </p:txBody>
       </p:sp>
+      <p:pic>
+        <p:nvPicPr>
+          <p:cNvPr id="8" name="Picture 7" descr="A green text on a black background&#10;&#10;Description automatically generated with low confidence">
+            <a:extLst>
+              <a:ext uri="{FF2B5EF4-FFF2-40B4-BE49-F238E27FC236}">
+                <a16:creationId xmlns:a16="http://schemas.microsoft.com/office/drawing/2014/main" id="{4E6627EA-317F-908C-F3D6-C4E9C37CBB40}"/>
+              </a:ext>
+            </a:extLst>
+          </p:cNvPr>
+          <p:cNvPicPr>
+            <a:picLocks noChangeAspect="1"/>
+          </p:cNvPicPr>
+          <p:nvPr userDrawn="1"/>
+        </p:nvPicPr>
+        <p:blipFill>
+          <a:blip r:embed="rId2">
+            <a:extLst>
+              <a:ext uri="{28A0092B-C50C-407E-A947-70E740481C1C}">
+                <a14:useLocalDpi xmlns:a14="http://schemas.microsoft.com/office/drawing/2010/main" val="0"/>
+              </a:ext>
+            </a:extLst>
+          </a:blip>
+          <a:stretch>
+            <a:fillRect/>
+          </a:stretch>
+        </p:blipFill>
+        <p:spPr>
+          <a:xfrm>
+            <a:off x="10431909" y="136525"/>
+            <a:ext cx="1663745" cy="420066"/>
+          </a:xfrm>
+          <a:prstGeom prst="rect">
+            <a:avLst/>
+          </a:prstGeom>
+        </p:spPr>
+      </p:pic>
     </p:spTree>
     <p:extLst>
       <p:ext uri="{BB962C8B-B14F-4D97-AF65-F5344CB8AC3E}">
@@ -7669,7 +7705,7 @@
           <a:p>
             <a:fld id="{15E48C8E-5BC6-4622-8CA1-3638D2A56CDE}" type="datetimeFigureOut">
               <a:rPr lang="nl-NL" smtClean="0"/>
-              <a:t>24-11-2021</a:t>
+              <a:t>26-6-2023</a:t>
             </a:fld>
             <a:endParaRPr lang="nl-NL"/>
           </a:p>
@@ -7723,7 +7759,7 @@
           <a:p>
             <a:fld id="{4598FA16-D37F-4D9F-BE93-8104C2D892CA}" type="slidenum">
               <a:rPr lang="nl-NL" smtClean="0"/>
-              <a:t>‹nr.›</a:t>
+              <a:t>‹#›</a:t>
             </a:fld>
             <a:endParaRPr lang="nl-NL"/>
           </a:p>
@@ -7879,7 +7915,7 @@
           <a:p>
             <a:fld id="{15E48C8E-5BC6-4622-8CA1-3638D2A56CDE}" type="datetimeFigureOut">
               <a:rPr lang="nl-NL" smtClean="0"/>
-              <a:t>24-11-2021</a:t>
+              <a:t>26-6-2023</a:t>
             </a:fld>
             <a:endParaRPr lang="nl-NL"/>
           </a:p>
@@ -7933,7 +7969,7 @@
           <a:p>
             <a:fld id="{4598FA16-D37F-4D9F-BE93-8104C2D892CA}" type="slidenum">
               <a:rPr lang="nl-NL" smtClean="0"/>
-              <a:t>‹nr.›</a:t>
+              <a:t>‹#›</a:t>
             </a:fld>
             <a:endParaRPr lang="nl-NL"/>
           </a:p>
@@ -8079,7 +8115,7 @@
           <a:p>
             <a:fld id="{15E48C8E-5BC6-4622-8CA1-3638D2A56CDE}" type="datetimeFigureOut">
               <a:rPr lang="nl-NL" smtClean="0"/>
-              <a:t>24-11-2021</a:t>
+              <a:t>26-6-2023</a:t>
             </a:fld>
             <a:endParaRPr lang="nl-NL"/>
           </a:p>
@@ -8133,7 +8169,7 @@
           <a:p>
             <a:fld id="{4598FA16-D37F-4D9F-BE93-8104C2D892CA}" type="slidenum">
               <a:rPr lang="nl-NL" smtClean="0"/>
-              <a:t>‹nr.›</a:t>
+              <a:t>‹#›</a:t>
             </a:fld>
             <a:endParaRPr lang="nl-NL"/>
           </a:p>
@@ -8355,7 +8391,7 @@
           <a:p>
             <a:fld id="{15E48C8E-5BC6-4622-8CA1-3638D2A56CDE}" type="datetimeFigureOut">
               <a:rPr lang="nl-NL" smtClean="0"/>
-              <a:t>24-11-2021</a:t>
+              <a:t>26-6-2023</a:t>
             </a:fld>
             <a:endParaRPr lang="nl-NL"/>
           </a:p>
@@ -8409,7 +8445,7 @@
           <a:p>
             <a:fld id="{4598FA16-D37F-4D9F-BE93-8104C2D892CA}" type="slidenum">
               <a:rPr lang="nl-NL" smtClean="0"/>
-              <a:t>‹nr.›</a:t>
+              <a:t>‹#›</a:t>
             </a:fld>
             <a:endParaRPr lang="nl-NL"/>
           </a:p>
@@ -8623,7 +8659,7 @@
           <a:p>
             <a:fld id="{15E48C8E-5BC6-4622-8CA1-3638D2A56CDE}" type="datetimeFigureOut">
               <a:rPr lang="nl-NL" smtClean="0"/>
-              <a:t>24-11-2021</a:t>
+              <a:t>26-6-2023</a:t>
             </a:fld>
             <a:endParaRPr lang="nl-NL"/>
           </a:p>
@@ -8677,7 +8713,7 @@
           <a:p>
             <a:fld id="{4598FA16-D37F-4D9F-BE93-8104C2D892CA}" type="slidenum">
               <a:rPr lang="nl-NL" smtClean="0"/>
-              <a:t>‹nr.›</a:t>
+              <a:t>‹#›</a:t>
             </a:fld>
             <a:endParaRPr lang="nl-NL"/>
           </a:p>
@@ -9038,7 +9074,7 @@
           <a:p>
             <a:fld id="{15E48C8E-5BC6-4622-8CA1-3638D2A56CDE}" type="datetimeFigureOut">
               <a:rPr lang="nl-NL" smtClean="0"/>
-              <a:t>24-11-2021</a:t>
+              <a:t>26-6-2023</a:t>
             </a:fld>
             <a:endParaRPr lang="nl-NL"/>
           </a:p>
@@ -9092,7 +9128,7 @@
           <a:p>
             <a:fld id="{4598FA16-D37F-4D9F-BE93-8104C2D892CA}" type="slidenum">
               <a:rPr lang="nl-NL" smtClean="0"/>
-              <a:t>‹nr.›</a:t>
+              <a:t>‹#›</a:t>
             </a:fld>
             <a:endParaRPr lang="nl-NL"/>
           </a:p>
@@ -9180,7 +9216,7 @@
           <a:p>
             <a:fld id="{15E48C8E-5BC6-4622-8CA1-3638D2A56CDE}" type="datetimeFigureOut">
               <a:rPr lang="nl-NL" smtClean="0"/>
-              <a:t>24-11-2021</a:t>
+              <a:t>26-6-2023</a:t>
             </a:fld>
             <a:endParaRPr lang="nl-NL"/>
           </a:p>
@@ -9234,7 +9270,7 @@
           <a:p>
             <a:fld id="{4598FA16-D37F-4D9F-BE93-8104C2D892CA}" type="slidenum">
               <a:rPr lang="nl-NL" smtClean="0"/>
-              <a:t>‹nr.›</a:t>
+              <a:t>‹#›</a:t>
             </a:fld>
             <a:endParaRPr lang="nl-NL"/>
           </a:p>
@@ -9293,7 +9329,7 @@
           <a:p>
             <a:fld id="{15E48C8E-5BC6-4622-8CA1-3638D2A56CDE}" type="datetimeFigureOut">
               <a:rPr lang="nl-NL" smtClean="0"/>
-              <a:t>24-11-2021</a:t>
+              <a:t>26-6-2023</a:t>
             </a:fld>
             <a:endParaRPr lang="nl-NL"/>
           </a:p>
@@ -9347,7 +9383,7 @@
           <a:p>
             <a:fld id="{4598FA16-D37F-4D9F-BE93-8104C2D892CA}" type="slidenum">
               <a:rPr lang="nl-NL" smtClean="0"/>
-              <a:t>‹nr.›</a:t>
+              <a:t>‹#›</a:t>
             </a:fld>
             <a:endParaRPr lang="nl-NL"/>
           </a:p>
@@ -9606,7 +9642,7 @@
           <a:p>
             <a:fld id="{15E48C8E-5BC6-4622-8CA1-3638D2A56CDE}" type="datetimeFigureOut">
               <a:rPr lang="nl-NL" smtClean="0"/>
-              <a:t>24-11-2021</a:t>
+              <a:t>26-6-2023</a:t>
             </a:fld>
             <a:endParaRPr lang="nl-NL"/>
           </a:p>
@@ -9660,7 +9696,7 @@
           <a:p>
             <a:fld id="{4598FA16-D37F-4D9F-BE93-8104C2D892CA}" type="slidenum">
               <a:rPr lang="nl-NL" smtClean="0"/>
-              <a:t>‹nr.›</a:t>
+              <a:t>‹#›</a:t>
             </a:fld>
             <a:endParaRPr lang="nl-NL"/>
           </a:p>
@@ -9895,7 +9931,7 @@
           <a:p>
             <a:fld id="{15E48C8E-5BC6-4622-8CA1-3638D2A56CDE}" type="datetimeFigureOut">
               <a:rPr lang="nl-NL" smtClean="0"/>
-              <a:t>24-11-2021</a:t>
+              <a:t>26-6-2023</a:t>
             </a:fld>
             <a:endParaRPr lang="nl-NL"/>
           </a:p>
@@ -9949,7 +9985,7 @@
           <a:p>
             <a:fld id="{4598FA16-D37F-4D9F-BE93-8104C2D892CA}" type="slidenum">
               <a:rPr lang="nl-NL" smtClean="0"/>
-              <a:t>‹nr.›</a:t>
+              <a:t>‹#›</a:t>
             </a:fld>
             <a:endParaRPr lang="nl-NL"/>
           </a:p>
@@ -9972,9 +10008,12 @@
 <p:sldMaster xmlns:a="http://schemas.openxmlformats.org/drawingml/2006/main" xmlns:r="http://schemas.openxmlformats.org/officeDocument/2006/relationships" xmlns:p="http://schemas.openxmlformats.org/presentationml/2006/main">
   <p:cSld>
     <p:bg>
-      <p:bgRef idx="1001">
-        <a:schemeClr val="bg1"/>
-      </p:bgRef>
+      <p:bgPr>
+        <a:solidFill>
+          <a:schemeClr val="bg1"/>
+        </a:solidFill>
+        <a:effectLst/>
+      </p:bgPr>
     </p:bg>
     <p:spTree>
       <p:nvGrpSpPr>
@@ -10138,7 +10177,7 @@
           <a:p>
             <a:fld id="{15E48C8E-5BC6-4622-8CA1-3638D2A56CDE}" type="datetimeFigureOut">
               <a:rPr lang="nl-NL" smtClean="0"/>
-              <a:t>24-11-2021</a:t>
+              <a:t>26-6-2023</a:t>
             </a:fld>
             <a:endParaRPr lang="nl-NL"/>
           </a:p>
@@ -10228,7 +10267,7 @@
           <a:p>
             <a:fld id="{4598FA16-D37F-4D9F-BE93-8104C2D892CA}" type="slidenum">
               <a:rPr lang="nl-NL" smtClean="0"/>
-              <a:t>‹nr.›</a:t>
+              <a:t>‹#›</a:t>
             </a:fld>
             <a:endParaRPr lang="nl-NL"/>
           </a:p>
@@ -10541,21 +10580,6 @@
 <file path=ppt/slides/slide1.xml><?xml version="1.0" encoding="utf-8"?>
 <p:sld xmlns:a="http://schemas.openxmlformats.org/drawingml/2006/main" xmlns:r="http://schemas.openxmlformats.org/officeDocument/2006/relationships" xmlns:p="http://schemas.openxmlformats.org/presentationml/2006/main">
   <p:cSld>
-    <p:bg>
-      <p:bgPr>
-        <a:blipFill dpi="0" rotWithShape="1">
-          <a:blip r:embed="rId3">
-            <a:alphaModFix amt="70000"/>
-            <a:lum/>
-          </a:blip>
-          <a:srcRect/>
-          <a:stretch>
-            <a:fillRect t="-39000" b="-39000"/>
-          </a:stretch>
-        </a:blipFill>
-        <a:effectLst/>
-      </p:bgPr>
-    </p:bg>
     <p:spTree>
       <p:nvGrpSpPr>
         <p:cNvPr id="1" name=""/>
@@ -10616,72 +10640,6 @@
           </a:p>
         </p:txBody>
       </p:sp>
-      <p:sp>
-        <p:nvSpPr>
-          <p:cNvPr id="3" name="Subtitle 2">
-            <a:extLst>
-              <a:ext uri="{FF2B5EF4-FFF2-40B4-BE49-F238E27FC236}">
-                <a16:creationId xmlns:a16="http://schemas.microsoft.com/office/drawing/2014/main" id="{91C9F03C-30AE-46BC-9778-6D5FDBEAE714}"/>
-              </a:ext>
-            </a:extLst>
-          </p:cNvPr>
-          <p:cNvSpPr>
-            <a:spLocks noGrp="1"/>
-          </p:cNvSpPr>
-          <p:nvPr>
-            <p:ph type="subTitle" idx="1"/>
-          </p:nvPr>
-        </p:nvSpPr>
-        <p:spPr/>
-        <p:txBody>
-          <a:bodyPr/>
-          <a:lstStyle/>
-          <a:p>
-            <a:r>
-              <a:rPr lang="nl-NL" dirty="0">
-                <a:latin typeface="Consolas" panose="020B0609020204030204" pitchFamily="49" charset="0"/>
-              </a:rPr>
-              <a:t>  24 &amp; 25 november 2021 </a:t>
-            </a:r>
-          </a:p>
-        </p:txBody>
-      </p:sp>
-      <p:pic>
-        <p:nvPicPr>
-          <p:cNvPr id="9" name="Picture 8">
-            <a:extLst>
-              <a:ext uri="{FF2B5EF4-FFF2-40B4-BE49-F238E27FC236}">
-                <a16:creationId xmlns:a16="http://schemas.microsoft.com/office/drawing/2014/main" id="{DF89AA1E-E77D-4509-94FF-4BEFE0691857}"/>
-              </a:ext>
-            </a:extLst>
-          </p:cNvPr>
-          <p:cNvPicPr>
-            <a:picLocks noChangeAspect="1"/>
-          </p:cNvPicPr>
-          <p:nvPr/>
-        </p:nvPicPr>
-        <p:blipFill>
-          <a:blip r:embed="rId4">
-            <a:extLst>
-              <a:ext uri="{28A0092B-C50C-407E-A947-70E740481C1C}">
-                <a14:useLocalDpi xmlns:a14="http://schemas.microsoft.com/office/drawing/2010/main" val="0"/>
-              </a:ext>
-            </a:extLst>
-          </a:blip>
-          <a:stretch>
-            <a:fillRect/>
-          </a:stretch>
-        </p:blipFill>
-        <p:spPr>
-          <a:xfrm>
-            <a:off x="171450" y="171450"/>
-            <a:ext cx="3705225" cy="949464"/>
-          </a:xfrm>
-          <a:prstGeom prst="rect">
-            <a:avLst/>
-          </a:prstGeom>
-        </p:spPr>
-      </p:pic>
       <p:pic>
         <p:nvPicPr>
           <p:cNvPr id="11" name="Graphic 10">
@@ -10697,13 +10655,13 @@
           <p:nvPr/>
         </p:nvPicPr>
         <p:blipFill>
-          <a:blip r:embed="rId5">
+          <a:blip r:embed="rId3">
             <a:extLst>
               <a:ext uri="{28A0092B-C50C-407E-A947-70E740481C1C}">
                 <a14:useLocalDpi xmlns:a14="http://schemas.microsoft.com/office/drawing/2010/main" val="0"/>
               </a:ext>
               <a:ext uri="{96DAC541-7B7A-43D3-8B79-37D633B846F1}">
-                <asvg:svgBlip xmlns:asvg="http://schemas.microsoft.com/office/drawing/2016/SVG/main" r:embed="rId6"/>
+                <asvg:svgBlip xmlns:asvg="http://schemas.microsoft.com/office/drawing/2016/SVG/main" r:embed="rId4"/>
               </a:ext>
             </a:extLst>
           </a:blip>
@@ -10736,13 +10694,13 @@
           <p:nvPr/>
         </p:nvPicPr>
         <p:blipFill>
-          <a:blip r:embed="rId7">
+          <a:blip r:embed="rId5">
             <a:extLst>
               <a:ext uri="{28A0092B-C50C-407E-A947-70E740481C1C}">
                 <a14:useLocalDpi xmlns:a14="http://schemas.microsoft.com/office/drawing/2010/main" val="0"/>
               </a:ext>
               <a:ext uri="{96DAC541-7B7A-43D3-8B79-37D633B846F1}">
-                <asvg:svgBlip xmlns:asvg="http://schemas.microsoft.com/office/drawing/2016/SVG/main" r:embed="rId8"/>
+                <asvg:svgBlip xmlns:asvg="http://schemas.microsoft.com/office/drawing/2016/SVG/main" r:embed="rId6"/>
               </a:ext>
             </a:extLst>
           </a:blip>
@@ -10848,6 +10806,31 @@
           </a:fontRef>
         </p:style>
       </p:cxnSp>
+      <p:sp>
+        <p:nvSpPr>
+          <p:cNvPr id="5" name="Subtitle 4">
+            <a:extLst>
+              <a:ext uri="{FF2B5EF4-FFF2-40B4-BE49-F238E27FC236}">
+                <a16:creationId xmlns:a16="http://schemas.microsoft.com/office/drawing/2014/main" id="{891768F5-DD25-B1A5-37E7-1959F8450235}"/>
+              </a:ext>
+            </a:extLst>
+          </p:cNvPr>
+          <p:cNvSpPr>
+            <a:spLocks noGrp="1"/>
+          </p:cNvSpPr>
+          <p:nvPr>
+            <p:ph type="subTitle" idx="1"/>
+          </p:nvPr>
+        </p:nvSpPr>
+        <p:spPr/>
+        <p:txBody>
+          <a:bodyPr/>
+          <a:lstStyle/>
+          <a:p>
+            <a:endParaRPr lang="en-NL"/>
+          </a:p>
+        </p:txBody>
+      </p:sp>
     </p:spTree>
     <p:extLst>
       <p:ext uri="{BB962C8B-B14F-4D97-AF65-F5344CB8AC3E}">
@@ -10864,21 +10847,6 @@
 <file path=ppt/slides/slide10.xml><?xml version="1.0" encoding="utf-8"?>
 <p:sld xmlns:a="http://schemas.openxmlformats.org/drawingml/2006/main" xmlns:r="http://schemas.openxmlformats.org/officeDocument/2006/relationships" xmlns:p="http://schemas.openxmlformats.org/presentationml/2006/main">
   <p:cSld>
-    <p:bg>
-      <p:bgPr>
-        <a:blipFill dpi="0" rotWithShape="1">
-          <a:blip r:embed="rId3">
-            <a:alphaModFix amt="70000"/>
-            <a:lum/>
-          </a:blip>
-          <a:srcRect/>
-          <a:stretch>
-            <a:fillRect t="-39000" b="-39000"/>
-          </a:stretch>
-        </a:blipFill>
-        <a:effectLst/>
-      </p:bgPr>
-    </p:bg>
     <p:spTree>
       <p:nvGrpSpPr>
         <p:cNvPr id="1" name=""/>
@@ -10893,42 +10861,6 @@
           <a:chExt cx="0" cy="0"/>
         </a:xfrm>
       </p:grpSpPr>
-      <p:pic>
-        <p:nvPicPr>
-          <p:cNvPr id="9" name="Picture 8">
-            <a:extLst>
-              <a:ext uri="{FF2B5EF4-FFF2-40B4-BE49-F238E27FC236}">
-                <a16:creationId xmlns:a16="http://schemas.microsoft.com/office/drawing/2014/main" id="{DF89AA1E-E77D-4509-94FF-4BEFE0691857}"/>
-              </a:ext>
-            </a:extLst>
-          </p:cNvPr>
-          <p:cNvPicPr>
-            <a:picLocks noChangeAspect="1"/>
-          </p:cNvPicPr>
-          <p:nvPr/>
-        </p:nvPicPr>
-        <p:blipFill>
-          <a:blip r:embed="rId4">
-            <a:extLst>
-              <a:ext uri="{28A0092B-C50C-407E-A947-70E740481C1C}">
-                <a14:useLocalDpi xmlns:a14="http://schemas.microsoft.com/office/drawing/2010/main" val="0"/>
-              </a:ext>
-            </a:extLst>
-          </a:blip>
-          <a:stretch>
-            <a:fillRect/>
-          </a:stretch>
-        </p:blipFill>
-        <p:spPr>
-          <a:xfrm>
-            <a:off x="171450" y="171450"/>
-            <a:ext cx="3705225" cy="949464"/>
-          </a:xfrm>
-          <a:prstGeom prst="rect">
-            <a:avLst/>
-          </a:prstGeom>
-        </p:spPr>
-      </p:pic>
       <p:sp>
         <p:nvSpPr>
           <p:cNvPr id="8" name="Title 7">
@@ -11340,13 +11272,13 @@
           <p:nvPr/>
         </p:nvPicPr>
         <p:blipFill>
-          <a:blip r:embed="rId5">
+          <a:blip r:embed="rId3">
             <a:extLst>
               <a:ext uri="{28A0092B-C50C-407E-A947-70E740481C1C}">
                 <a14:useLocalDpi xmlns:a14="http://schemas.microsoft.com/office/drawing/2010/main" val="0"/>
               </a:ext>
               <a:ext uri="{96DAC541-7B7A-43D3-8B79-37D633B846F1}">
-                <asvg:svgBlip xmlns:asvg="http://schemas.microsoft.com/office/drawing/2016/SVG/main" r:embed="rId6"/>
+                <asvg:svgBlip xmlns:asvg="http://schemas.microsoft.com/office/drawing/2016/SVG/main" r:embed="rId4"/>
               </a:ext>
             </a:extLst>
           </a:blip>
@@ -11380,21 +11312,6 @@
 <file path=ppt/slides/slide11.xml><?xml version="1.0" encoding="utf-8"?>
 <p:sld xmlns:a="http://schemas.openxmlformats.org/drawingml/2006/main" xmlns:r="http://schemas.openxmlformats.org/officeDocument/2006/relationships" xmlns:p="http://schemas.openxmlformats.org/presentationml/2006/main">
   <p:cSld>
-    <p:bg>
-      <p:bgPr>
-        <a:blipFill dpi="0" rotWithShape="1">
-          <a:blip r:embed="rId3">
-            <a:alphaModFix amt="70000"/>
-            <a:lum/>
-          </a:blip>
-          <a:srcRect/>
-          <a:stretch>
-            <a:fillRect t="-39000" b="-39000"/>
-          </a:stretch>
-        </a:blipFill>
-        <a:effectLst/>
-      </p:bgPr>
-    </p:bg>
     <p:spTree>
       <p:nvGrpSpPr>
         <p:cNvPr id="1" name=""/>
@@ -11409,42 +11326,6 @@
           <a:chExt cx="0" cy="0"/>
         </a:xfrm>
       </p:grpSpPr>
-      <p:pic>
-        <p:nvPicPr>
-          <p:cNvPr id="9" name="Picture 8">
-            <a:extLst>
-              <a:ext uri="{FF2B5EF4-FFF2-40B4-BE49-F238E27FC236}">
-                <a16:creationId xmlns:a16="http://schemas.microsoft.com/office/drawing/2014/main" id="{DF89AA1E-E77D-4509-94FF-4BEFE0691857}"/>
-              </a:ext>
-            </a:extLst>
-          </p:cNvPr>
-          <p:cNvPicPr>
-            <a:picLocks noChangeAspect="1"/>
-          </p:cNvPicPr>
-          <p:nvPr/>
-        </p:nvPicPr>
-        <p:blipFill>
-          <a:blip r:embed="rId4">
-            <a:extLst>
-              <a:ext uri="{28A0092B-C50C-407E-A947-70E740481C1C}">
-                <a14:useLocalDpi xmlns:a14="http://schemas.microsoft.com/office/drawing/2010/main" val="0"/>
-              </a:ext>
-            </a:extLst>
-          </a:blip>
-          <a:stretch>
-            <a:fillRect/>
-          </a:stretch>
-        </p:blipFill>
-        <p:spPr>
-          <a:xfrm>
-            <a:off x="171450" y="171450"/>
-            <a:ext cx="3705225" cy="949464"/>
-          </a:xfrm>
-          <a:prstGeom prst="rect">
-            <a:avLst/>
-          </a:prstGeom>
-        </p:spPr>
-      </p:pic>
       <p:sp>
         <p:nvSpPr>
           <p:cNvPr id="8" name="Title 7">
@@ -11856,13 +11737,13 @@
           <p:nvPr/>
         </p:nvPicPr>
         <p:blipFill>
-          <a:blip r:embed="rId5">
+          <a:blip r:embed="rId3">
             <a:extLst>
               <a:ext uri="{28A0092B-C50C-407E-A947-70E740481C1C}">
                 <a14:useLocalDpi xmlns:a14="http://schemas.microsoft.com/office/drawing/2010/main" val="0"/>
               </a:ext>
               <a:ext uri="{96DAC541-7B7A-43D3-8B79-37D633B846F1}">
-                <asvg:svgBlip xmlns:asvg="http://schemas.microsoft.com/office/drawing/2016/SVG/main" r:embed="rId6"/>
+                <asvg:svgBlip xmlns:asvg="http://schemas.microsoft.com/office/drawing/2016/SVG/main" r:embed="rId4"/>
               </a:ext>
             </a:extLst>
           </a:blip>
@@ -11896,21 +11777,6 @@
 <file path=ppt/slides/slide12.xml><?xml version="1.0" encoding="utf-8"?>
 <p:sld xmlns:a="http://schemas.openxmlformats.org/drawingml/2006/main" xmlns:r="http://schemas.openxmlformats.org/officeDocument/2006/relationships" xmlns:p="http://schemas.openxmlformats.org/presentationml/2006/main">
   <p:cSld>
-    <p:bg>
-      <p:bgPr>
-        <a:blipFill dpi="0" rotWithShape="1">
-          <a:blip r:embed="rId3">
-            <a:alphaModFix amt="70000"/>
-            <a:lum/>
-          </a:blip>
-          <a:srcRect/>
-          <a:stretch>
-            <a:fillRect t="-39000" b="-39000"/>
-          </a:stretch>
-        </a:blipFill>
-        <a:effectLst/>
-      </p:bgPr>
-    </p:bg>
     <p:spTree>
       <p:nvGrpSpPr>
         <p:cNvPr id="1" name=""/>
@@ -11925,42 +11791,6 @@
           <a:chExt cx="0" cy="0"/>
         </a:xfrm>
       </p:grpSpPr>
-      <p:pic>
-        <p:nvPicPr>
-          <p:cNvPr id="9" name="Picture 8">
-            <a:extLst>
-              <a:ext uri="{FF2B5EF4-FFF2-40B4-BE49-F238E27FC236}">
-                <a16:creationId xmlns:a16="http://schemas.microsoft.com/office/drawing/2014/main" id="{DF89AA1E-E77D-4509-94FF-4BEFE0691857}"/>
-              </a:ext>
-            </a:extLst>
-          </p:cNvPr>
-          <p:cNvPicPr>
-            <a:picLocks noChangeAspect="1"/>
-          </p:cNvPicPr>
-          <p:nvPr/>
-        </p:nvPicPr>
-        <p:blipFill>
-          <a:blip r:embed="rId4">
-            <a:extLst>
-              <a:ext uri="{28A0092B-C50C-407E-A947-70E740481C1C}">
-                <a14:useLocalDpi xmlns:a14="http://schemas.microsoft.com/office/drawing/2010/main" val="0"/>
-              </a:ext>
-            </a:extLst>
-          </a:blip>
-          <a:stretch>
-            <a:fillRect/>
-          </a:stretch>
-        </p:blipFill>
-        <p:spPr>
-          <a:xfrm>
-            <a:off x="171450" y="171450"/>
-            <a:ext cx="3705225" cy="949464"/>
-          </a:xfrm>
-          <a:prstGeom prst="rect">
-            <a:avLst/>
-          </a:prstGeom>
-        </p:spPr>
-      </p:pic>
       <p:sp>
         <p:nvSpPr>
           <p:cNvPr id="8" name="Title 7">
@@ -12030,7 +11860,7 @@
           <p:nvPr/>
         </p:nvPicPr>
         <p:blipFill>
-          <a:blip r:embed="rId5">
+          <a:blip r:embed="rId3">
             <a:extLst>
               <a:ext uri="{28A0092B-C50C-407E-A947-70E740481C1C}">
                 <a14:useLocalDpi xmlns:a14="http://schemas.microsoft.com/office/drawing/2010/main" val="0"/>
@@ -12066,13 +11896,13 @@
           <p:nvPr/>
         </p:nvPicPr>
         <p:blipFill>
-          <a:blip r:embed="rId6">
+          <a:blip r:embed="rId4">
             <a:extLst>
               <a:ext uri="{28A0092B-C50C-407E-A947-70E740481C1C}">
                 <a14:useLocalDpi xmlns:a14="http://schemas.microsoft.com/office/drawing/2010/main" val="0"/>
               </a:ext>
               <a:ext uri="{96DAC541-7B7A-43D3-8B79-37D633B846F1}">
-                <asvg:svgBlip xmlns:asvg="http://schemas.microsoft.com/office/drawing/2016/SVG/main" r:embed="rId7"/>
+                <asvg:svgBlip xmlns:asvg="http://schemas.microsoft.com/office/drawing/2016/SVG/main" r:embed="rId5"/>
               </a:ext>
             </a:extLst>
           </a:blip>
@@ -12106,21 +11936,6 @@
 <file path=ppt/slides/slide13.xml><?xml version="1.0" encoding="utf-8"?>
 <p:sld xmlns:a="http://schemas.openxmlformats.org/drawingml/2006/main" xmlns:r="http://schemas.openxmlformats.org/officeDocument/2006/relationships" xmlns:p="http://schemas.openxmlformats.org/presentationml/2006/main">
   <p:cSld>
-    <p:bg>
-      <p:bgPr>
-        <a:blipFill dpi="0" rotWithShape="1">
-          <a:blip r:embed="rId3">
-            <a:alphaModFix amt="70000"/>
-            <a:lum/>
-          </a:blip>
-          <a:srcRect/>
-          <a:stretch>
-            <a:fillRect t="-39000" b="-39000"/>
-          </a:stretch>
-        </a:blipFill>
-        <a:effectLst/>
-      </p:bgPr>
-    </p:bg>
     <p:spTree>
       <p:nvGrpSpPr>
         <p:cNvPr id="1" name=""/>
@@ -12135,42 +11950,6 @@
           <a:chExt cx="0" cy="0"/>
         </a:xfrm>
       </p:grpSpPr>
-      <p:pic>
-        <p:nvPicPr>
-          <p:cNvPr id="9" name="Picture 8">
-            <a:extLst>
-              <a:ext uri="{FF2B5EF4-FFF2-40B4-BE49-F238E27FC236}">
-                <a16:creationId xmlns:a16="http://schemas.microsoft.com/office/drawing/2014/main" id="{DF89AA1E-E77D-4509-94FF-4BEFE0691857}"/>
-              </a:ext>
-            </a:extLst>
-          </p:cNvPr>
-          <p:cNvPicPr>
-            <a:picLocks noChangeAspect="1"/>
-          </p:cNvPicPr>
-          <p:nvPr/>
-        </p:nvPicPr>
-        <p:blipFill>
-          <a:blip r:embed="rId4">
-            <a:extLst>
-              <a:ext uri="{28A0092B-C50C-407E-A947-70E740481C1C}">
-                <a14:useLocalDpi xmlns:a14="http://schemas.microsoft.com/office/drawing/2010/main" val="0"/>
-              </a:ext>
-            </a:extLst>
-          </a:blip>
-          <a:stretch>
-            <a:fillRect/>
-          </a:stretch>
-        </p:blipFill>
-        <p:spPr>
-          <a:xfrm>
-            <a:off x="171450" y="171450"/>
-            <a:ext cx="3705225" cy="949464"/>
-          </a:xfrm>
-          <a:prstGeom prst="rect">
-            <a:avLst/>
-          </a:prstGeom>
-        </p:spPr>
-      </p:pic>
       <p:sp>
         <p:nvSpPr>
           <p:cNvPr id="8" name="Title 7">
@@ -12240,13 +12019,13 @@
           <p:nvPr/>
         </p:nvPicPr>
         <p:blipFill>
-          <a:blip r:embed="rId5">
+          <a:blip r:embed="rId3">
             <a:extLst>
               <a:ext uri="{28A0092B-C50C-407E-A947-70E740481C1C}">
                 <a14:useLocalDpi xmlns:a14="http://schemas.microsoft.com/office/drawing/2010/main" val="0"/>
               </a:ext>
               <a:ext uri="{96DAC541-7B7A-43D3-8B79-37D633B846F1}">
-                <asvg:svgBlip xmlns:asvg="http://schemas.microsoft.com/office/drawing/2016/SVG/main" r:embed="rId6"/>
+                <asvg:svgBlip xmlns:asvg="http://schemas.microsoft.com/office/drawing/2016/SVG/main" r:embed="rId4"/>
               </a:ext>
             </a:extLst>
           </a:blip>
@@ -12279,7 +12058,7 @@
           <p:nvPr/>
         </p:nvPicPr>
         <p:blipFill>
-          <a:blip r:embed="rId7">
+          <a:blip r:embed="rId5">
             <a:extLst>
               <a:ext uri="{28A0092B-C50C-407E-A947-70E740481C1C}">
                 <a14:useLocalDpi xmlns:a14="http://schemas.microsoft.com/office/drawing/2010/main" val="0"/>
@@ -12316,21 +12095,6 @@
 <file path=ppt/slides/slide14.xml><?xml version="1.0" encoding="utf-8"?>
 <p:sld xmlns:a="http://schemas.openxmlformats.org/drawingml/2006/main" xmlns:r="http://schemas.openxmlformats.org/officeDocument/2006/relationships" xmlns:p="http://schemas.openxmlformats.org/presentationml/2006/main">
   <p:cSld>
-    <p:bg>
-      <p:bgPr>
-        <a:blipFill dpi="0" rotWithShape="1">
-          <a:blip r:embed="rId4">
-            <a:alphaModFix amt="70000"/>
-            <a:lum/>
-          </a:blip>
-          <a:srcRect/>
-          <a:stretch>
-            <a:fillRect t="-39000" b="-39000"/>
-          </a:stretch>
-        </a:blipFill>
-        <a:effectLst/>
-      </p:bgPr>
-    </p:bg>
     <p:spTree>
       <p:nvGrpSpPr>
         <p:cNvPr id="1" name=""/>
@@ -12345,42 +12109,6 @@
           <a:chExt cx="0" cy="0"/>
         </a:xfrm>
       </p:grpSpPr>
-      <p:pic>
-        <p:nvPicPr>
-          <p:cNvPr id="9" name="Picture 8">
-            <a:extLst>
-              <a:ext uri="{FF2B5EF4-FFF2-40B4-BE49-F238E27FC236}">
-                <a16:creationId xmlns:a16="http://schemas.microsoft.com/office/drawing/2014/main" id="{DF89AA1E-E77D-4509-94FF-4BEFE0691857}"/>
-              </a:ext>
-            </a:extLst>
-          </p:cNvPr>
-          <p:cNvPicPr>
-            <a:picLocks noChangeAspect="1"/>
-          </p:cNvPicPr>
-          <p:nvPr/>
-        </p:nvPicPr>
-        <p:blipFill>
-          <a:blip r:embed="rId5">
-            <a:extLst>
-              <a:ext uri="{28A0092B-C50C-407E-A947-70E740481C1C}">
-                <a14:useLocalDpi xmlns:a14="http://schemas.microsoft.com/office/drawing/2010/main" val="0"/>
-              </a:ext>
-            </a:extLst>
-          </a:blip>
-          <a:stretch>
-            <a:fillRect/>
-          </a:stretch>
-        </p:blipFill>
-        <p:spPr>
-          <a:xfrm>
-            <a:off x="171450" y="171450"/>
-            <a:ext cx="3705225" cy="949464"/>
-          </a:xfrm>
-          <a:prstGeom prst="rect">
-            <a:avLst/>
-          </a:prstGeom>
-        </p:spPr>
-      </p:pic>
       <p:sp>
         <p:nvSpPr>
           <p:cNvPr id="8" name="Title 7">
@@ -12450,13 +12178,13 @@
           <p:nvPr/>
         </p:nvPicPr>
         <p:blipFill>
-          <a:blip r:embed="rId6">
+          <a:blip r:embed="rId3">
             <a:extLst>
               <a:ext uri="{28A0092B-C50C-407E-A947-70E740481C1C}">
                 <a14:useLocalDpi xmlns:a14="http://schemas.microsoft.com/office/drawing/2010/main" val="0"/>
               </a:ext>
               <a:ext uri="{96DAC541-7B7A-43D3-8B79-37D633B846F1}">
-                <asvg:svgBlip xmlns:asvg="http://schemas.microsoft.com/office/drawing/2016/SVG/main" r:embed="rId7"/>
+                <asvg:svgBlip xmlns:asvg="http://schemas.microsoft.com/office/drawing/2016/SVG/main" r:embed="rId4"/>
               </a:ext>
             </a:extLst>
           </a:blip>
@@ -12502,12 +12230,12 @@
           <a:graphicData uri="http://schemas.openxmlformats.org/presentationml/2006/ole">
             <mc:AlternateContent xmlns:mc="http://schemas.openxmlformats.org/markup-compatibility/2006">
               <mc:Choice xmlns:v="urn:schemas-microsoft-com:vml" Requires="v">
-                <p:oleObj spid="_x0000_s1037" name="Image" r:id="rId8" imgW="5282280" imgH="2336400" progId="Photoshop.Image.13">
+                <p:oleObj name="Image" r:id="rId5" imgW="5282280" imgH="2336400" progId="Photoshop.Image.13">
                   <p:embed/>
                 </p:oleObj>
               </mc:Choice>
               <mc:Fallback>
-                <p:oleObj name="Image" r:id="rId8" imgW="5282280" imgH="2336400" progId="Photoshop.Image.13">
+                <p:oleObj name="Image" r:id="rId5" imgW="5282280" imgH="2336400" progId="Photoshop.Image.13">
                   <p:embed/>
                   <p:pic>
                     <p:nvPicPr>
@@ -12516,7 +12244,7 @@
                       <p:nvPr/>
                     </p:nvPicPr>
                     <p:blipFill>
-                      <a:blip r:embed="rId9"/>
+                      <a:blip r:embed="rId6"/>
                       <a:stretch>
                         <a:fillRect/>
                       </a:stretch>
@@ -12553,21 +12281,6 @@
 <file path=ppt/slides/slide15.xml><?xml version="1.0" encoding="utf-8"?>
 <p:sld xmlns:a="http://schemas.openxmlformats.org/drawingml/2006/main" xmlns:r="http://schemas.openxmlformats.org/officeDocument/2006/relationships" xmlns:p="http://schemas.openxmlformats.org/presentationml/2006/main">
   <p:cSld>
-    <p:bg>
-      <p:bgPr>
-        <a:blipFill dpi="0" rotWithShape="1">
-          <a:blip r:embed="rId3">
-            <a:alphaModFix amt="70000"/>
-            <a:lum/>
-          </a:blip>
-          <a:srcRect/>
-          <a:stretch>
-            <a:fillRect t="-39000" b="-39000"/>
-          </a:stretch>
-        </a:blipFill>
-        <a:effectLst/>
-      </p:bgPr>
-    </p:bg>
     <p:spTree>
       <p:nvGrpSpPr>
         <p:cNvPr id="1" name=""/>
@@ -12582,42 +12295,6 @@
           <a:chExt cx="0" cy="0"/>
         </a:xfrm>
       </p:grpSpPr>
-      <p:pic>
-        <p:nvPicPr>
-          <p:cNvPr id="9" name="Picture 8">
-            <a:extLst>
-              <a:ext uri="{FF2B5EF4-FFF2-40B4-BE49-F238E27FC236}">
-                <a16:creationId xmlns:a16="http://schemas.microsoft.com/office/drawing/2014/main" id="{DF89AA1E-E77D-4509-94FF-4BEFE0691857}"/>
-              </a:ext>
-            </a:extLst>
-          </p:cNvPr>
-          <p:cNvPicPr>
-            <a:picLocks noChangeAspect="1"/>
-          </p:cNvPicPr>
-          <p:nvPr/>
-        </p:nvPicPr>
-        <p:blipFill>
-          <a:blip r:embed="rId4">
-            <a:extLst>
-              <a:ext uri="{28A0092B-C50C-407E-A947-70E740481C1C}">
-                <a14:useLocalDpi xmlns:a14="http://schemas.microsoft.com/office/drawing/2010/main" val="0"/>
-              </a:ext>
-            </a:extLst>
-          </a:blip>
-          <a:stretch>
-            <a:fillRect/>
-          </a:stretch>
-        </p:blipFill>
-        <p:spPr>
-          <a:xfrm>
-            <a:off x="171450" y="171450"/>
-            <a:ext cx="3705225" cy="949464"/>
-          </a:xfrm>
-          <a:prstGeom prst="rect">
-            <a:avLst/>
-          </a:prstGeom>
-        </p:spPr>
-      </p:pic>
       <p:sp>
         <p:nvSpPr>
           <p:cNvPr id="8" name="Title 7">
@@ -12687,7 +12364,7 @@
           <p:nvPr/>
         </p:nvPicPr>
         <p:blipFill>
-          <a:blip r:embed="rId5">
+          <a:blip r:embed="rId3">
             <a:extLst>
               <a:ext uri="{28A0092B-C50C-407E-A947-70E740481C1C}">
                 <a14:useLocalDpi xmlns:a14="http://schemas.microsoft.com/office/drawing/2010/main" val="0"/>
@@ -12988,21 +12665,6 @@
 <file path=ppt/slides/slide16.xml><?xml version="1.0" encoding="utf-8"?>
 <p:sld xmlns:a="http://schemas.openxmlformats.org/drawingml/2006/main" xmlns:r="http://schemas.openxmlformats.org/officeDocument/2006/relationships" xmlns:p="http://schemas.openxmlformats.org/presentationml/2006/main">
   <p:cSld>
-    <p:bg>
-      <p:bgPr>
-        <a:blipFill dpi="0" rotWithShape="1">
-          <a:blip r:embed="rId3">
-            <a:alphaModFix amt="70000"/>
-            <a:lum/>
-          </a:blip>
-          <a:srcRect/>
-          <a:stretch>
-            <a:fillRect t="-39000" b="-39000"/>
-          </a:stretch>
-        </a:blipFill>
-        <a:effectLst/>
-      </p:bgPr>
-    </p:bg>
     <p:spTree>
       <p:nvGrpSpPr>
         <p:cNvPr id="1" name=""/>
@@ -13017,42 +12679,6 @@
           <a:chExt cx="0" cy="0"/>
         </a:xfrm>
       </p:grpSpPr>
-      <p:pic>
-        <p:nvPicPr>
-          <p:cNvPr id="9" name="Picture 8">
-            <a:extLst>
-              <a:ext uri="{FF2B5EF4-FFF2-40B4-BE49-F238E27FC236}">
-                <a16:creationId xmlns:a16="http://schemas.microsoft.com/office/drawing/2014/main" id="{DF89AA1E-E77D-4509-94FF-4BEFE0691857}"/>
-              </a:ext>
-            </a:extLst>
-          </p:cNvPr>
-          <p:cNvPicPr>
-            <a:picLocks noChangeAspect="1"/>
-          </p:cNvPicPr>
-          <p:nvPr/>
-        </p:nvPicPr>
-        <p:blipFill>
-          <a:blip r:embed="rId4">
-            <a:extLst>
-              <a:ext uri="{28A0092B-C50C-407E-A947-70E740481C1C}">
-                <a14:useLocalDpi xmlns:a14="http://schemas.microsoft.com/office/drawing/2010/main" val="0"/>
-              </a:ext>
-            </a:extLst>
-          </a:blip>
-          <a:stretch>
-            <a:fillRect/>
-          </a:stretch>
-        </p:blipFill>
-        <p:spPr>
-          <a:xfrm>
-            <a:off x="171450" y="171450"/>
-            <a:ext cx="3705225" cy="949464"/>
-          </a:xfrm>
-          <a:prstGeom prst="rect">
-            <a:avLst/>
-          </a:prstGeom>
-        </p:spPr>
-      </p:pic>
       <p:sp>
         <p:nvSpPr>
           <p:cNvPr id="8" name="Title 7">
@@ -13122,13 +12748,13 @@
           <p:nvPr/>
         </p:nvPicPr>
         <p:blipFill>
-          <a:blip r:embed="rId5">
+          <a:blip r:embed="rId3">
             <a:extLst>
               <a:ext uri="{28A0092B-C50C-407E-A947-70E740481C1C}">
                 <a14:useLocalDpi xmlns:a14="http://schemas.microsoft.com/office/drawing/2010/main" val="0"/>
               </a:ext>
               <a:ext uri="{96DAC541-7B7A-43D3-8B79-37D633B846F1}">
-                <asvg:svgBlip xmlns:asvg="http://schemas.microsoft.com/office/drawing/2016/SVG/main" r:embed="rId6"/>
+                <asvg:svgBlip xmlns:asvg="http://schemas.microsoft.com/office/drawing/2016/SVG/main" r:embed="rId4"/>
               </a:ext>
             </a:extLst>
           </a:blip>
@@ -13472,21 +13098,6 @@
 <file path=ppt/slides/slide17.xml><?xml version="1.0" encoding="utf-8"?>
 <p:sld xmlns:a="http://schemas.openxmlformats.org/drawingml/2006/main" xmlns:r="http://schemas.openxmlformats.org/officeDocument/2006/relationships" xmlns:p="http://schemas.openxmlformats.org/presentationml/2006/main">
   <p:cSld>
-    <p:bg>
-      <p:bgPr>
-        <a:blipFill dpi="0" rotWithShape="1">
-          <a:blip r:embed="rId3">
-            <a:alphaModFix amt="70000"/>
-            <a:lum/>
-          </a:blip>
-          <a:srcRect/>
-          <a:stretch>
-            <a:fillRect t="-39000" b="-39000"/>
-          </a:stretch>
-        </a:blipFill>
-        <a:effectLst/>
-      </p:bgPr>
-    </p:bg>
     <p:spTree>
       <p:nvGrpSpPr>
         <p:cNvPr id="1" name=""/>
@@ -13501,42 +13112,6 @@
           <a:chExt cx="0" cy="0"/>
         </a:xfrm>
       </p:grpSpPr>
-      <p:pic>
-        <p:nvPicPr>
-          <p:cNvPr id="9" name="Picture 8">
-            <a:extLst>
-              <a:ext uri="{FF2B5EF4-FFF2-40B4-BE49-F238E27FC236}">
-                <a16:creationId xmlns:a16="http://schemas.microsoft.com/office/drawing/2014/main" id="{DF89AA1E-E77D-4509-94FF-4BEFE0691857}"/>
-              </a:ext>
-            </a:extLst>
-          </p:cNvPr>
-          <p:cNvPicPr>
-            <a:picLocks noChangeAspect="1"/>
-          </p:cNvPicPr>
-          <p:nvPr/>
-        </p:nvPicPr>
-        <p:blipFill>
-          <a:blip r:embed="rId4">
-            <a:extLst>
-              <a:ext uri="{28A0092B-C50C-407E-A947-70E740481C1C}">
-                <a14:useLocalDpi xmlns:a14="http://schemas.microsoft.com/office/drawing/2010/main" val="0"/>
-              </a:ext>
-            </a:extLst>
-          </a:blip>
-          <a:stretch>
-            <a:fillRect/>
-          </a:stretch>
-        </p:blipFill>
-        <p:spPr>
-          <a:xfrm>
-            <a:off x="171450" y="171450"/>
-            <a:ext cx="3705225" cy="949464"/>
-          </a:xfrm>
-          <a:prstGeom prst="rect">
-            <a:avLst/>
-          </a:prstGeom>
-        </p:spPr>
-      </p:pic>
       <p:sp>
         <p:nvSpPr>
           <p:cNvPr id="8" name="Title 7">
@@ -13606,13 +13181,13 @@
           <p:nvPr/>
         </p:nvPicPr>
         <p:blipFill>
-          <a:blip r:embed="rId5">
+          <a:blip r:embed="rId3">
             <a:extLst>
               <a:ext uri="{28A0092B-C50C-407E-A947-70E740481C1C}">
                 <a14:useLocalDpi xmlns:a14="http://schemas.microsoft.com/office/drawing/2010/main" val="0"/>
               </a:ext>
               <a:ext uri="{96DAC541-7B7A-43D3-8B79-37D633B846F1}">
-                <asvg:svgBlip xmlns:asvg="http://schemas.microsoft.com/office/drawing/2016/SVG/main" r:embed="rId6"/>
+                <asvg:svgBlip xmlns:asvg="http://schemas.microsoft.com/office/drawing/2016/SVG/main" r:embed="rId4"/>
               </a:ext>
             </a:extLst>
           </a:blip>
@@ -14005,21 +13580,6 @@
 <file path=ppt/slides/slide18.xml><?xml version="1.0" encoding="utf-8"?>
 <p:sld xmlns:a="http://schemas.openxmlformats.org/drawingml/2006/main" xmlns:r="http://schemas.openxmlformats.org/officeDocument/2006/relationships" xmlns:p="http://schemas.openxmlformats.org/presentationml/2006/main">
   <p:cSld>
-    <p:bg>
-      <p:bgPr>
-        <a:blipFill dpi="0" rotWithShape="1">
-          <a:blip r:embed="rId3">
-            <a:alphaModFix amt="70000"/>
-            <a:lum/>
-          </a:blip>
-          <a:srcRect/>
-          <a:stretch>
-            <a:fillRect t="-39000" b="-39000"/>
-          </a:stretch>
-        </a:blipFill>
-        <a:effectLst/>
-      </p:bgPr>
-    </p:bg>
     <p:spTree>
       <p:nvGrpSpPr>
         <p:cNvPr id="1" name=""/>
@@ -14034,42 +13594,6 @@
           <a:chExt cx="0" cy="0"/>
         </a:xfrm>
       </p:grpSpPr>
-      <p:pic>
-        <p:nvPicPr>
-          <p:cNvPr id="9" name="Picture 8">
-            <a:extLst>
-              <a:ext uri="{FF2B5EF4-FFF2-40B4-BE49-F238E27FC236}">
-                <a16:creationId xmlns:a16="http://schemas.microsoft.com/office/drawing/2014/main" id="{DF89AA1E-E77D-4509-94FF-4BEFE0691857}"/>
-              </a:ext>
-            </a:extLst>
-          </p:cNvPr>
-          <p:cNvPicPr>
-            <a:picLocks noChangeAspect="1"/>
-          </p:cNvPicPr>
-          <p:nvPr/>
-        </p:nvPicPr>
-        <p:blipFill>
-          <a:blip r:embed="rId4">
-            <a:extLst>
-              <a:ext uri="{28A0092B-C50C-407E-A947-70E740481C1C}">
-                <a14:useLocalDpi xmlns:a14="http://schemas.microsoft.com/office/drawing/2010/main" val="0"/>
-              </a:ext>
-            </a:extLst>
-          </a:blip>
-          <a:stretch>
-            <a:fillRect/>
-          </a:stretch>
-        </p:blipFill>
-        <p:spPr>
-          <a:xfrm>
-            <a:off x="171450" y="171450"/>
-            <a:ext cx="3705225" cy="949464"/>
-          </a:xfrm>
-          <a:prstGeom prst="rect">
-            <a:avLst/>
-          </a:prstGeom>
-        </p:spPr>
-      </p:pic>
       <p:sp>
         <p:nvSpPr>
           <p:cNvPr id="8" name="Title 7">
@@ -14139,13 +13663,13 @@
           <p:nvPr/>
         </p:nvPicPr>
         <p:blipFill>
-          <a:blip r:embed="rId5">
+          <a:blip r:embed="rId3">
             <a:extLst>
               <a:ext uri="{28A0092B-C50C-407E-A947-70E740481C1C}">
                 <a14:useLocalDpi xmlns:a14="http://schemas.microsoft.com/office/drawing/2010/main" val="0"/>
               </a:ext>
               <a:ext uri="{96DAC541-7B7A-43D3-8B79-37D633B846F1}">
-                <asvg:svgBlip xmlns:asvg="http://schemas.microsoft.com/office/drawing/2016/SVG/main" r:embed="rId6"/>
+                <asvg:svgBlip xmlns:asvg="http://schemas.microsoft.com/office/drawing/2016/SVG/main" r:embed="rId4"/>
               </a:ext>
             </a:extLst>
           </a:blip>
@@ -14392,7 +13916,7 @@
           <p:nvPr/>
         </p:nvPicPr>
         <p:blipFill>
-          <a:blip r:embed="rId7">
+          <a:blip r:embed="rId5">
             <a:extLst>
               <a:ext uri="{28A0092B-C50C-407E-A947-70E740481C1C}">
                 <a14:useLocalDpi xmlns:a14="http://schemas.microsoft.com/office/drawing/2010/main" val="0"/>
@@ -14429,21 +13953,6 @@
 <file path=ppt/slides/slide19.xml><?xml version="1.0" encoding="utf-8"?>
 <p:sld xmlns:a="http://schemas.openxmlformats.org/drawingml/2006/main" xmlns:r="http://schemas.openxmlformats.org/officeDocument/2006/relationships" xmlns:p="http://schemas.openxmlformats.org/presentationml/2006/main">
   <p:cSld>
-    <p:bg>
-      <p:bgPr>
-        <a:blipFill dpi="0" rotWithShape="1">
-          <a:blip r:embed="rId3">
-            <a:alphaModFix amt="70000"/>
-            <a:lum/>
-          </a:blip>
-          <a:srcRect/>
-          <a:stretch>
-            <a:fillRect t="-39000" b="-39000"/>
-          </a:stretch>
-        </a:blipFill>
-        <a:effectLst/>
-      </p:bgPr>
-    </p:bg>
     <p:spTree>
       <p:nvGrpSpPr>
         <p:cNvPr id="1" name=""/>
@@ -14458,42 +13967,6 @@
           <a:chExt cx="0" cy="0"/>
         </a:xfrm>
       </p:grpSpPr>
-      <p:pic>
-        <p:nvPicPr>
-          <p:cNvPr id="9" name="Picture 8">
-            <a:extLst>
-              <a:ext uri="{FF2B5EF4-FFF2-40B4-BE49-F238E27FC236}">
-                <a16:creationId xmlns:a16="http://schemas.microsoft.com/office/drawing/2014/main" id="{DF89AA1E-E77D-4509-94FF-4BEFE0691857}"/>
-              </a:ext>
-            </a:extLst>
-          </p:cNvPr>
-          <p:cNvPicPr>
-            <a:picLocks noChangeAspect="1"/>
-          </p:cNvPicPr>
-          <p:nvPr/>
-        </p:nvPicPr>
-        <p:blipFill>
-          <a:blip r:embed="rId4">
-            <a:extLst>
-              <a:ext uri="{28A0092B-C50C-407E-A947-70E740481C1C}">
-                <a14:useLocalDpi xmlns:a14="http://schemas.microsoft.com/office/drawing/2010/main" val="0"/>
-              </a:ext>
-            </a:extLst>
-          </a:blip>
-          <a:stretch>
-            <a:fillRect/>
-          </a:stretch>
-        </p:blipFill>
-        <p:spPr>
-          <a:xfrm>
-            <a:off x="171450" y="171450"/>
-            <a:ext cx="3705225" cy="949464"/>
-          </a:xfrm>
-          <a:prstGeom prst="rect">
-            <a:avLst/>
-          </a:prstGeom>
-        </p:spPr>
-      </p:pic>
       <p:sp>
         <p:nvSpPr>
           <p:cNvPr id="8" name="Title 7">
@@ -14563,13 +14036,13 @@
           <p:nvPr/>
         </p:nvPicPr>
         <p:blipFill>
-          <a:blip r:embed="rId5">
+          <a:blip r:embed="rId3">
             <a:extLst>
               <a:ext uri="{28A0092B-C50C-407E-A947-70E740481C1C}">
                 <a14:useLocalDpi xmlns:a14="http://schemas.microsoft.com/office/drawing/2010/main" val="0"/>
               </a:ext>
               <a:ext uri="{96DAC541-7B7A-43D3-8B79-37D633B846F1}">
-                <asvg:svgBlip xmlns:asvg="http://schemas.microsoft.com/office/drawing/2016/SVG/main" r:embed="rId6"/>
+                <asvg:svgBlip xmlns:asvg="http://schemas.microsoft.com/office/drawing/2016/SVG/main" r:embed="rId4"/>
               </a:ext>
             </a:extLst>
           </a:blip>
@@ -14974,21 +14447,6 @@
 <file path=ppt/slides/slide2.xml><?xml version="1.0" encoding="utf-8"?>
 <p:sld xmlns:a="http://schemas.openxmlformats.org/drawingml/2006/main" xmlns:r="http://schemas.openxmlformats.org/officeDocument/2006/relationships" xmlns:p="http://schemas.openxmlformats.org/presentationml/2006/main">
   <p:cSld>
-    <p:bg>
-      <p:bgPr>
-        <a:blipFill dpi="0" rotWithShape="1">
-          <a:blip r:embed="rId2">
-            <a:alphaModFix amt="70000"/>
-            <a:lum/>
-          </a:blip>
-          <a:srcRect/>
-          <a:stretch>
-            <a:fillRect t="-39000" b="-39000"/>
-          </a:stretch>
-        </a:blipFill>
-        <a:effectLst/>
-      </p:bgPr>
-    </p:bg>
     <p:spTree>
       <p:nvGrpSpPr>
         <p:cNvPr id="1" name=""/>
@@ -15005,42 +14463,6 @@
       </p:grpSpPr>
       <p:pic>
         <p:nvPicPr>
-          <p:cNvPr id="9" name="Picture 8">
-            <a:extLst>
-              <a:ext uri="{FF2B5EF4-FFF2-40B4-BE49-F238E27FC236}">
-                <a16:creationId xmlns:a16="http://schemas.microsoft.com/office/drawing/2014/main" id="{DF89AA1E-E77D-4509-94FF-4BEFE0691857}"/>
-              </a:ext>
-            </a:extLst>
-          </p:cNvPr>
-          <p:cNvPicPr>
-            <a:picLocks noChangeAspect="1"/>
-          </p:cNvPicPr>
-          <p:nvPr/>
-        </p:nvPicPr>
-        <p:blipFill>
-          <a:blip r:embed="rId3">
-            <a:extLst>
-              <a:ext uri="{28A0092B-C50C-407E-A947-70E740481C1C}">
-                <a14:useLocalDpi xmlns:a14="http://schemas.microsoft.com/office/drawing/2010/main" val="0"/>
-              </a:ext>
-            </a:extLst>
-          </a:blip>
-          <a:stretch>
-            <a:fillRect/>
-          </a:stretch>
-        </p:blipFill>
-        <p:spPr>
-          <a:xfrm>
-            <a:off x="171450" y="171450"/>
-            <a:ext cx="3705225" cy="949464"/>
-          </a:xfrm>
-          <a:prstGeom prst="rect">
-            <a:avLst/>
-          </a:prstGeom>
-        </p:spPr>
-      </p:pic>
-      <p:pic>
-        <p:nvPicPr>
           <p:cNvPr id="13" name="Picture 12">
             <a:extLst>
               <a:ext uri="{FF2B5EF4-FFF2-40B4-BE49-F238E27FC236}">
@@ -15054,7 +14476,7 @@
           <p:nvPr/>
         </p:nvPicPr>
         <p:blipFill>
-          <a:blip r:embed="rId4">
+          <a:blip r:embed="rId2">
             <a:extLst>
               <a:ext uri="{28A0092B-C50C-407E-A947-70E740481C1C}">
                 <a14:useLocalDpi xmlns:a14="http://schemas.microsoft.com/office/drawing/2010/main" val="0"/>
@@ -15091,21 +14513,6 @@
 <file path=ppt/slides/slide20.xml><?xml version="1.0" encoding="utf-8"?>
 <p:sld xmlns:a="http://schemas.openxmlformats.org/drawingml/2006/main" xmlns:r="http://schemas.openxmlformats.org/officeDocument/2006/relationships" xmlns:p="http://schemas.openxmlformats.org/presentationml/2006/main">
   <p:cSld>
-    <p:bg>
-      <p:bgPr>
-        <a:blipFill dpi="0" rotWithShape="1">
-          <a:blip r:embed="rId3">
-            <a:alphaModFix amt="70000"/>
-            <a:lum/>
-          </a:blip>
-          <a:srcRect/>
-          <a:stretch>
-            <a:fillRect t="-39000" b="-39000"/>
-          </a:stretch>
-        </a:blipFill>
-        <a:effectLst/>
-      </p:bgPr>
-    </p:bg>
     <p:spTree>
       <p:nvGrpSpPr>
         <p:cNvPr id="1" name=""/>
@@ -15120,42 +14527,6 @@
           <a:chExt cx="0" cy="0"/>
         </a:xfrm>
       </p:grpSpPr>
-      <p:pic>
-        <p:nvPicPr>
-          <p:cNvPr id="9" name="Picture 8">
-            <a:extLst>
-              <a:ext uri="{FF2B5EF4-FFF2-40B4-BE49-F238E27FC236}">
-                <a16:creationId xmlns:a16="http://schemas.microsoft.com/office/drawing/2014/main" id="{DF89AA1E-E77D-4509-94FF-4BEFE0691857}"/>
-              </a:ext>
-            </a:extLst>
-          </p:cNvPr>
-          <p:cNvPicPr>
-            <a:picLocks noChangeAspect="1"/>
-          </p:cNvPicPr>
-          <p:nvPr/>
-        </p:nvPicPr>
-        <p:blipFill>
-          <a:blip r:embed="rId4">
-            <a:extLst>
-              <a:ext uri="{28A0092B-C50C-407E-A947-70E740481C1C}">
-                <a14:useLocalDpi xmlns:a14="http://schemas.microsoft.com/office/drawing/2010/main" val="0"/>
-              </a:ext>
-            </a:extLst>
-          </a:blip>
-          <a:stretch>
-            <a:fillRect/>
-          </a:stretch>
-        </p:blipFill>
-        <p:spPr>
-          <a:xfrm>
-            <a:off x="171450" y="171450"/>
-            <a:ext cx="3705225" cy="949464"/>
-          </a:xfrm>
-          <a:prstGeom prst="rect">
-            <a:avLst/>
-          </a:prstGeom>
-        </p:spPr>
-      </p:pic>
       <p:sp>
         <p:nvSpPr>
           <p:cNvPr id="8" name="Title 7">
@@ -15225,13 +14596,13 @@
           <p:nvPr/>
         </p:nvPicPr>
         <p:blipFill>
-          <a:blip r:embed="rId5">
+          <a:blip r:embed="rId3">
             <a:extLst>
               <a:ext uri="{28A0092B-C50C-407E-A947-70E740481C1C}">
                 <a14:useLocalDpi xmlns:a14="http://schemas.microsoft.com/office/drawing/2010/main" val="0"/>
               </a:ext>
               <a:ext uri="{96DAC541-7B7A-43D3-8B79-37D633B846F1}">
-                <asvg:svgBlip xmlns:asvg="http://schemas.microsoft.com/office/drawing/2016/SVG/main" r:embed="rId6"/>
+                <asvg:svgBlip xmlns:asvg="http://schemas.microsoft.com/office/drawing/2016/SVG/main" r:embed="rId4"/>
               </a:ext>
             </a:extLst>
           </a:blip>
@@ -15518,21 +14889,6 @@
 <file path=ppt/slides/slide21.xml><?xml version="1.0" encoding="utf-8"?>
 <p:sld xmlns:a="http://schemas.openxmlformats.org/drawingml/2006/main" xmlns:r="http://schemas.openxmlformats.org/officeDocument/2006/relationships" xmlns:p="http://schemas.openxmlformats.org/presentationml/2006/main">
   <p:cSld>
-    <p:bg>
-      <p:bgPr>
-        <a:blipFill dpi="0" rotWithShape="1">
-          <a:blip r:embed="rId3">
-            <a:alphaModFix amt="70000"/>
-            <a:lum/>
-          </a:blip>
-          <a:srcRect/>
-          <a:stretch>
-            <a:fillRect t="-39000" b="-39000"/>
-          </a:stretch>
-        </a:blipFill>
-        <a:effectLst/>
-      </p:bgPr>
-    </p:bg>
     <p:spTree>
       <p:nvGrpSpPr>
         <p:cNvPr id="1" name=""/>
@@ -15547,42 +14903,6 @@
           <a:chExt cx="0" cy="0"/>
         </a:xfrm>
       </p:grpSpPr>
-      <p:pic>
-        <p:nvPicPr>
-          <p:cNvPr id="9" name="Picture 8">
-            <a:extLst>
-              <a:ext uri="{FF2B5EF4-FFF2-40B4-BE49-F238E27FC236}">
-                <a16:creationId xmlns:a16="http://schemas.microsoft.com/office/drawing/2014/main" id="{DF89AA1E-E77D-4509-94FF-4BEFE0691857}"/>
-              </a:ext>
-            </a:extLst>
-          </p:cNvPr>
-          <p:cNvPicPr>
-            <a:picLocks noChangeAspect="1"/>
-          </p:cNvPicPr>
-          <p:nvPr/>
-        </p:nvPicPr>
-        <p:blipFill>
-          <a:blip r:embed="rId4">
-            <a:extLst>
-              <a:ext uri="{28A0092B-C50C-407E-A947-70E740481C1C}">
-                <a14:useLocalDpi xmlns:a14="http://schemas.microsoft.com/office/drawing/2010/main" val="0"/>
-              </a:ext>
-            </a:extLst>
-          </a:blip>
-          <a:stretch>
-            <a:fillRect/>
-          </a:stretch>
-        </p:blipFill>
-        <p:spPr>
-          <a:xfrm>
-            <a:off x="171450" y="171450"/>
-            <a:ext cx="3705225" cy="949464"/>
-          </a:xfrm>
-          <a:prstGeom prst="rect">
-            <a:avLst/>
-          </a:prstGeom>
-        </p:spPr>
-      </p:pic>
       <p:sp>
         <p:nvSpPr>
           <p:cNvPr id="8" name="Title 7">
@@ -15652,13 +14972,13 @@
           <p:nvPr/>
         </p:nvPicPr>
         <p:blipFill>
-          <a:blip r:embed="rId5">
+          <a:blip r:embed="rId3">
             <a:extLst>
               <a:ext uri="{28A0092B-C50C-407E-A947-70E740481C1C}">
                 <a14:useLocalDpi xmlns:a14="http://schemas.microsoft.com/office/drawing/2010/main" val="0"/>
               </a:ext>
               <a:ext uri="{96DAC541-7B7A-43D3-8B79-37D633B846F1}">
-                <asvg:svgBlip xmlns:asvg="http://schemas.microsoft.com/office/drawing/2016/SVG/main" r:embed="rId6"/>
+                <asvg:svgBlip xmlns:asvg="http://schemas.microsoft.com/office/drawing/2016/SVG/main" r:embed="rId4"/>
               </a:ext>
             </a:extLst>
           </a:blip>
@@ -16002,21 +15322,6 @@
 <file path=ppt/slides/slide22.xml><?xml version="1.0" encoding="utf-8"?>
 <p:sld xmlns:a="http://schemas.openxmlformats.org/drawingml/2006/main" xmlns:r="http://schemas.openxmlformats.org/officeDocument/2006/relationships" xmlns:p="http://schemas.openxmlformats.org/presentationml/2006/main">
   <p:cSld>
-    <p:bg>
-      <p:bgPr>
-        <a:blipFill dpi="0" rotWithShape="1">
-          <a:blip r:embed="rId3">
-            <a:alphaModFix amt="70000"/>
-            <a:lum/>
-          </a:blip>
-          <a:srcRect/>
-          <a:stretch>
-            <a:fillRect t="-39000" b="-39000"/>
-          </a:stretch>
-        </a:blipFill>
-        <a:effectLst/>
-      </p:bgPr>
-    </p:bg>
     <p:spTree>
       <p:nvGrpSpPr>
         <p:cNvPr id="1" name=""/>
@@ -16031,42 +15336,6 @@
           <a:chExt cx="0" cy="0"/>
         </a:xfrm>
       </p:grpSpPr>
-      <p:pic>
-        <p:nvPicPr>
-          <p:cNvPr id="9" name="Picture 8">
-            <a:extLst>
-              <a:ext uri="{FF2B5EF4-FFF2-40B4-BE49-F238E27FC236}">
-                <a16:creationId xmlns:a16="http://schemas.microsoft.com/office/drawing/2014/main" id="{DF89AA1E-E77D-4509-94FF-4BEFE0691857}"/>
-              </a:ext>
-            </a:extLst>
-          </p:cNvPr>
-          <p:cNvPicPr>
-            <a:picLocks noChangeAspect="1"/>
-          </p:cNvPicPr>
-          <p:nvPr/>
-        </p:nvPicPr>
-        <p:blipFill>
-          <a:blip r:embed="rId4">
-            <a:extLst>
-              <a:ext uri="{28A0092B-C50C-407E-A947-70E740481C1C}">
-                <a14:useLocalDpi xmlns:a14="http://schemas.microsoft.com/office/drawing/2010/main" val="0"/>
-              </a:ext>
-            </a:extLst>
-          </a:blip>
-          <a:stretch>
-            <a:fillRect/>
-          </a:stretch>
-        </p:blipFill>
-        <p:spPr>
-          <a:xfrm>
-            <a:off x="171450" y="171450"/>
-            <a:ext cx="3705225" cy="949464"/>
-          </a:xfrm>
-          <a:prstGeom prst="rect">
-            <a:avLst/>
-          </a:prstGeom>
-        </p:spPr>
-      </p:pic>
       <p:sp>
         <p:nvSpPr>
           <p:cNvPr id="8" name="Title 7">
@@ -16136,13 +15405,13 @@
           <p:nvPr/>
         </p:nvPicPr>
         <p:blipFill>
-          <a:blip r:embed="rId5">
+          <a:blip r:embed="rId3">
             <a:extLst>
               <a:ext uri="{28A0092B-C50C-407E-A947-70E740481C1C}">
                 <a14:useLocalDpi xmlns:a14="http://schemas.microsoft.com/office/drawing/2010/main" val="0"/>
               </a:ext>
               <a:ext uri="{96DAC541-7B7A-43D3-8B79-37D633B846F1}">
-                <asvg:svgBlip xmlns:asvg="http://schemas.microsoft.com/office/drawing/2016/SVG/main" r:embed="rId6"/>
+                <asvg:svgBlip xmlns:asvg="http://schemas.microsoft.com/office/drawing/2016/SVG/main" r:embed="rId4"/>
               </a:ext>
             </a:extLst>
           </a:blip>
@@ -16703,21 +15972,6 @@
 <file path=ppt/slides/slide23.xml><?xml version="1.0" encoding="utf-8"?>
 <p:sld xmlns:a="http://schemas.openxmlformats.org/drawingml/2006/main" xmlns:r="http://schemas.openxmlformats.org/officeDocument/2006/relationships" xmlns:p="http://schemas.openxmlformats.org/presentationml/2006/main">
   <p:cSld>
-    <p:bg>
-      <p:bgPr>
-        <a:blipFill dpi="0" rotWithShape="1">
-          <a:blip r:embed="rId3">
-            <a:alphaModFix amt="70000"/>
-            <a:lum/>
-          </a:blip>
-          <a:srcRect/>
-          <a:stretch>
-            <a:fillRect t="-39000" b="-39000"/>
-          </a:stretch>
-        </a:blipFill>
-        <a:effectLst/>
-      </p:bgPr>
-    </p:bg>
     <p:spTree>
       <p:nvGrpSpPr>
         <p:cNvPr id="1" name=""/>
@@ -16732,42 +15986,6 @@
           <a:chExt cx="0" cy="0"/>
         </a:xfrm>
       </p:grpSpPr>
-      <p:pic>
-        <p:nvPicPr>
-          <p:cNvPr id="9" name="Picture 8">
-            <a:extLst>
-              <a:ext uri="{FF2B5EF4-FFF2-40B4-BE49-F238E27FC236}">
-                <a16:creationId xmlns:a16="http://schemas.microsoft.com/office/drawing/2014/main" id="{DF89AA1E-E77D-4509-94FF-4BEFE0691857}"/>
-              </a:ext>
-            </a:extLst>
-          </p:cNvPr>
-          <p:cNvPicPr>
-            <a:picLocks noChangeAspect="1"/>
-          </p:cNvPicPr>
-          <p:nvPr/>
-        </p:nvPicPr>
-        <p:blipFill>
-          <a:blip r:embed="rId4">
-            <a:extLst>
-              <a:ext uri="{28A0092B-C50C-407E-A947-70E740481C1C}">
-                <a14:useLocalDpi xmlns:a14="http://schemas.microsoft.com/office/drawing/2010/main" val="0"/>
-              </a:ext>
-            </a:extLst>
-          </a:blip>
-          <a:stretch>
-            <a:fillRect/>
-          </a:stretch>
-        </p:blipFill>
-        <p:spPr>
-          <a:xfrm>
-            <a:off x="171450" y="171450"/>
-            <a:ext cx="3705225" cy="949464"/>
-          </a:xfrm>
-          <a:prstGeom prst="rect">
-            <a:avLst/>
-          </a:prstGeom>
-        </p:spPr>
-      </p:pic>
       <p:sp>
         <p:nvSpPr>
           <p:cNvPr id="8" name="Title 7">
@@ -16837,13 +16055,13 @@
           <p:nvPr/>
         </p:nvPicPr>
         <p:blipFill>
-          <a:blip r:embed="rId5">
+          <a:blip r:embed="rId3">
             <a:extLst>
               <a:ext uri="{28A0092B-C50C-407E-A947-70E740481C1C}">
                 <a14:useLocalDpi xmlns:a14="http://schemas.microsoft.com/office/drawing/2010/main" val="0"/>
               </a:ext>
               <a:ext uri="{96DAC541-7B7A-43D3-8B79-37D633B846F1}">
-                <asvg:svgBlip xmlns:asvg="http://schemas.microsoft.com/office/drawing/2016/SVG/main" r:embed="rId6"/>
+                <asvg:svgBlip xmlns:asvg="http://schemas.microsoft.com/office/drawing/2016/SVG/main" r:embed="rId4"/>
               </a:ext>
             </a:extLst>
           </a:blip>
@@ -17090,13 +16308,13 @@
           <p:nvPr/>
         </p:nvPicPr>
         <p:blipFill>
-          <a:blip r:embed="rId7">
+          <a:blip r:embed="rId5">
             <a:extLst>
               <a:ext uri="{28A0092B-C50C-407E-A947-70E740481C1C}">
                 <a14:useLocalDpi xmlns:a14="http://schemas.microsoft.com/office/drawing/2010/main" val="0"/>
               </a:ext>
               <a:ext uri="{96DAC541-7B7A-43D3-8B79-37D633B846F1}">
-                <asvg:svgBlip xmlns:asvg="http://schemas.microsoft.com/office/drawing/2016/SVG/main" r:embed="rId8"/>
+                <asvg:svgBlip xmlns:asvg="http://schemas.microsoft.com/office/drawing/2016/SVG/main" r:embed="rId6"/>
               </a:ext>
             </a:extLst>
           </a:blip>
@@ -17129,13 +16347,13 @@
           <p:nvPr/>
         </p:nvPicPr>
         <p:blipFill>
-          <a:blip r:embed="rId9">
+          <a:blip r:embed="rId7">
             <a:extLst>
               <a:ext uri="{28A0092B-C50C-407E-A947-70E740481C1C}">
                 <a14:useLocalDpi xmlns:a14="http://schemas.microsoft.com/office/drawing/2010/main" val="0"/>
               </a:ext>
               <a:ext uri="{96DAC541-7B7A-43D3-8B79-37D633B846F1}">
-                <asvg:svgBlip xmlns:asvg="http://schemas.microsoft.com/office/drawing/2016/SVG/main" r:embed="rId10"/>
+                <asvg:svgBlip xmlns:asvg="http://schemas.microsoft.com/office/drawing/2016/SVG/main" r:embed="rId8"/>
               </a:ext>
             </a:extLst>
           </a:blip>
@@ -17168,13 +16386,13 @@
           <p:nvPr/>
         </p:nvPicPr>
         <p:blipFill>
-          <a:blip r:embed="rId11">
+          <a:blip r:embed="rId9">
             <a:extLst>
               <a:ext uri="{28A0092B-C50C-407E-A947-70E740481C1C}">
                 <a14:useLocalDpi xmlns:a14="http://schemas.microsoft.com/office/drawing/2010/main" val="0"/>
               </a:ext>
               <a:ext uri="{96DAC541-7B7A-43D3-8B79-37D633B846F1}">
-                <asvg:svgBlip xmlns:asvg="http://schemas.microsoft.com/office/drawing/2016/SVG/main" r:embed="rId12"/>
+                <asvg:svgBlip xmlns:asvg="http://schemas.microsoft.com/office/drawing/2016/SVG/main" r:embed="rId10"/>
               </a:ext>
             </a:extLst>
           </a:blip>
@@ -17207,13 +16425,13 @@
           <p:nvPr/>
         </p:nvPicPr>
         <p:blipFill>
-          <a:blip r:embed="rId13">
+          <a:blip r:embed="rId11">
             <a:extLst>
               <a:ext uri="{28A0092B-C50C-407E-A947-70E740481C1C}">
                 <a14:useLocalDpi xmlns:a14="http://schemas.microsoft.com/office/drawing/2010/main" val="0"/>
               </a:ext>
               <a:ext uri="{96DAC541-7B7A-43D3-8B79-37D633B846F1}">
-                <asvg:svgBlip xmlns:asvg="http://schemas.microsoft.com/office/drawing/2016/SVG/main" r:embed="rId14"/>
+                <asvg:svgBlip xmlns:asvg="http://schemas.microsoft.com/office/drawing/2016/SVG/main" r:embed="rId12"/>
               </a:ext>
             </a:extLst>
           </a:blip>
@@ -17246,13 +16464,13 @@
           <p:nvPr/>
         </p:nvPicPr>
         <p:blipFill>
-          <a:blip r:embed="rId15">
+          <a:blip r:embed="rId13">
             <a:extLst>
               <a:ext uri="{28A0092B-C50C-407E-A947-70E740481C1C}">
                 <a14:useLocalDpi xmlns:a14="http://schemas.microsoft.com/office/drawing/2010/main" val="0"/>
               </a:ext>
               <a:ext uri="{96DAC541-7B7A-43D3-8B79-37D633B846F1}">
-                <asvg:svgBlip xmlns:asvg="http://schemas.microsoft.com/office/drawing/2016/SVG/main" r:embed="rId16"/>
+                <asvg:svgBlip xmlns:asvg="http://schemas.microsoft.com/office/drawing/2016/SVG/main" r:embed="rId14"/>
               </a:ext>
             </a:extLst>
           </a:blip>
@@ -17285,13 +16503,13 @@
           <p:nvPr/>
         </p:nvPicPr>
         <p:blipFill>
-          <a:blip r:embed="rId17">
+          <a:blip r:embed="rId15">
             <a:extLst>
               <a:ext uri="{28A0092B-C50C-407E-A947-70E740481C1C}">
                 <a14:useLocalDpi xmlns:a14="http://schemas.microsoft.com/office/drawing/2010/main" val="0"/>
               </a:ext>
               <a:ext uri="{96DAC541-7B7A-43D3-8B79-37D633B846F1}">
-                <asvg:svgBlip xmlns:asvg="http://schemas.microsoft.com/office/drawing/2016/SVG/main" r:embed="rId18"/>
+                <asvg:svgBlip xmlns:asvg="http://schemas.microsoft.com/office/drawing/2016/SVG/main" r:embed="rId16"/>
               </a:ext>
             </a:extLst>
           </a:blip>
@@ -17324,13 +16542,13 @@
           <p:nvPr/>
         </p:nvPicPr>
         <p:blipFill>
-          <a:blip r:embed="rId19">
+          <a:blip r:embed="rId17">
             <a:extLst>
               <a:ext uri="{28A0092B-C50C-407E-A947-70E740481C1C}">
                 <a14:useLocalDpi xmlns:a14="http://schemas.microsoft.com/office/drawing/2010/main" val="0"/>
               </a:ext>
               <a:ext uri="{96DAC541-7B7A-43D3-8B79-37D633B846F1}">
-                <asvg:svgBlip xmlns:asvg="http://schemas.microsoft.com/office/drawing/2016/SVG/main" r:embed="rId20"/>
+                <asvg:svgBlip xmlns:asvg="http://schemas.microsoft.com/office/drawing/2016/SVG/main" r:embed="rId18"/>
               </a:ext>
             </a:extLst>
           </a:blip>
@@ -17363,13 +16581,13 @@
           <p:nvPr/>
         </p:nvPicPr>
         <p:blipFill>
-          <a:blip r:embed="rId21">
+          <a:blip r:embed="rId19">
             <a:extLst>
               <a:ext uri="{28A0092B-C50C-407E-A947-70E740481C1C}">
                 <a14:useLocalDpi xmlns:a14="http://schemas.microsoft.com/office/drawing/2010/main" val="0"/>
               </a:ext>
               <a:ext uri="{96DAC541-7B7A-43D3-8B79-37D633B846F1}">
-                <asvg:svgBlip xmlns:asvg="http://schemas.microsoft.com/office/drawing/2016/SVG/main" r:embed="rId22"/>
+                <asvg:svgBlip xmlns:asvg="http://schemas.microsoft.com/office/drawing/2016/SVG/main" r:embed="rId20"/>
               </a:ext>
             </a:extLst>
           </a:blip>
@@ -17403,21 +16621,6 @@
 <file path=ppt/slides/slide24.xml><?xml version="1.0" encoding="utf-8"?>
 <p:sld xmlns:a="http://schemas.openxmlformats.org/drawingml/2006/main" xmlns:r="http://schemas.openxmlformats.org/officeDocument/2006/relationships" xmlns:p="http://schemas.openxmlformats.org/presentationml/2006/main">
   <p:cSld>
-    <p:bg>
-      <p:bgPr>
-        <a:blipFill dpi="0" rotWithShape="1">
-          <a:blip r:embed="rId3">
-            <a:alphaModFix amt="70000"/>
-            <a:lum/>
-          </a:blip>
-          <a:srcRect/>
-          <a:stretch>
-            <a:fillRect t="-39000" b="-39000"/>
-          </a:stretch>
-        </a:blipFill>
-        <a:effectLst/>
-      </p:bgPr>
-    </p:bg>
     <p:spTree>
       <p:nvGrpSpPr>
         <p:cNvPr id="1" name=""/>
@@ -17434,42 +16637,6 @@
       </p:grpSpPr>
       <p:pic>
         <p:nvPicPr>
-          <p:cNvPr id="9" name="Picture 8">
-            <a:extLst>
-              <a:ext uri="{FF2B5EF4-FFF2-40B4-BE49-F238E27FC236}">
-                <a16:creationId xmlns:a16="http://schemas.microsoft.com/office/drawing/2014/main" id="{DF89AA1E-E77D-4509-94FF-4BEFE0691857}"/>
-              </a:ext>
-            </a:extLst>
-          </p:cNvPr>
-          <p:cNvPicPr>
-            <a:picLocks noChangeAspect="1"/>
-          </p:cNvPicPr>
-          <p:nvPr/>
-        </p:nvPicPr>
-        <p:blipFill>
-          <a:blip r:embed="rId4">
-            <a:extLst>
-              <a:ext uri="{28A0092B-C50C-407E-A947-70E740481C1C}">
-                <a14:useLocalDpi xmlns:a14="http://schemas.microsoft.com/office/drawing/2010/main" val="0"/>
-              </a:ext>
-            </a:extLst>
-          </a:blip>
-          <a:stretch>
-            <a:fillRect/>
-          </a:stretch>
-        </p:blipFill>
-        <p:spPr>
-          <a:xfrm>
-            <a:off x="171450" y="171450"/>
-            <a:ext cx="3705225" cy="949464"/>
-          </a:xfrm>
-          <a:prstGeom prst="rect">
-            <a:avLst/>
-          </a:prstGeom>
-        </p:spPr>
-      </p:pic>
-      <p:pic>
-        <p:nvPicPr>
           <p:cNvPr id="7" name="Graphic 6">
             <a:extLst>
               <a:ext uri="{FF2B5EF4-FFF2-40B4-BE49-F238E27FC236}">
@@ -17483,13 +16650,13 @@
           <p:nvPr/>
         </p:nvPicPr>
         <p:blipFill>
-          <a:blip r:embed="rId5">
+          <a:blip r:embed="rId3">
             <a:extLst>
               <a:ext uri="{28A0092B-C50C-407E-A947-70E740481C1C}">
                 <a14:useLocalDpi xmlns:a14="http://schemas.microsoft.com/office/drawing/2010/main" val="0"/>
               </a:ext>
               <a:ext uri="{96DAC541-7B7A-43D3-8B79-37D633B846F1}">
-                <asvg:svgBlip xmlns:asvg="http://schemas.microsoft.com/office/drawing/2016/SVG/main" r:embed="rId6"/>
+                <asvg:svgBlip xmlns:asvg="http://schemas.microsoft.com/office/drawing/2016/SVG/main" r:embed="rId4"/>
               </a:ext>
             </a:extLst>
           </a:blip>
@@ -18065,21 +17232,6 @@
 <file path=ppt/slides/slide25.xml><?xml version="1.0" encoding="utf-8"?>
 <p:sld xmlns:a="http://schemas.openxmlformats.org/drawingml/2006/main" xmlns:r="http://schemas.openxmlformats.org/officeDocument/2006/relationships" xmlns:p="http://schemas.openxmlformats.org/presentationml/2006/main">
   <p:cSld>
-    <p:bg>
-      <p:bgPr>
-        <a:blipFill dpi="0" rotWithShape="1">
-          <a:blip r:embed="rId3">
-            <a:alphaModFix amt="70000"/>
-            <a:lum/>
-          </a:blip>
-          <a:srcRect/>
-          <a:stretch>
-            <a:fillRect t="-39000" b="-39000"/>
-          </a:stretch>
-        </a:blipFill>
-        <a:effectLst/>
-      </p:bgPr>
-    </p:bg>
     <p:spTree>
       <p:nvGrpSpPr>
         <p:cNvPr id="1" name=""/>
@@ -18096,42 +17248,6 @@
       </p:grpSpPr>
       <p:pic>
         <p:nvPicPr>
-          <p:cNvPr id="9" name="Picture 8">
-            <a:extLst>
-              <a:ext uri="{FF2B5EF4-FFF2-40B4-BE49-F238E27FC236}">
-                <a16:creationId xmlns:a16="http://schemas.microsoft.com/office/drawing/2014/main" id="{DF89AA1E-E77D-4509-94FF-4BEFE0691857}"/>
-              </a:ext>
-            </a:extLst>
-          </p:cNvPr>
-          <p:cNvPicPr>
-            <a:picLocks noChangeAspect="1"/>
-          </p:cNvPicPr>
-          <p:nvPr/>
-        </p:nvPicPr>
-        <p:blipFill>
-          <a:blip r:embed="rId4">
-            <a:extLst>
-              <a:ext uri="{28A0092B-C50C-407E-A947-70E740481C1C}">
-                <a14:useLocalDpi xmlns:a14="http://schemas.microsoft.com/office/drawing/2010/main" val="0"/>
-              </a:ext>
-            </a:extLst>
-          </a:blip>
-          <a:stretch>
-            <a:fillRect/>
-          </a:stretch>
-        </p:blipFill>
-        <p:spPr>
-          <a:xfrm>
-            <a:off x="171450" y="171450"/>
-            <a:ext cx="3705225" cy="949464"/>
-          </a:xfrm>
-          <a:prstGeom prst="rect">
-            <a:avLst/>
-          </a:prstGeom>
-        </p:spPr>
-      </p:pic>
-      <p:pic>
-        <p:nvPicPr>
           <p:cNvPr id="7" name="Graphic 6">
             <a:extLst>
               <a:ext uri="{FF2B5EF4-FFF2-40B4-BE49-F238E27FC236}">
@@ -18145,13 +17261,13 @@
           <p:nvPr/>
         </p:nvPicPr>
         <p:blipFill>
-          <a:blip r:embed="rId5">
+          <a:blip r:embed="rId3">
             <a:extLst>
               <a:ext uri="{28A0092B-C50C-407E-A947-70E740481C1C}">
                 <a14:useLocalDpi xmlns:a14="http://schemas.microsoft.com/office/drawing/2010/main" val="0"/>
               </a:ext>
               <a:ext uri="{96DAC541-7B7A-43D3-8B79-37D633B846F1}">
-                <asvg:svgBlip xmlns:asvg="http://schemas.microsoft.com/office/drawing/2016/SVG/main" r:embed="rId6"/>
+                <asvg:svgBlip xmlns:asvg="http://schemas.microsoft.com/office/drawing/2016/SVG/main" r:embed="rId4"/>
               </a:ext>
             </a:extLst>
           </a:blip>
@@ -18772,21 +17888,6 @@
 <file path=ppt/slides/slide26.xml><?xml version="1.0" encoding="utf-8"?>
 <p:sld xmlns:a="http://schemas.openxmlformats.org/drawingml/2006/main" xmlns:r="http://schemas.openxmlformats.org/officeDocument/2006/relationships" xmlns:p="http://schemas.openxmlformats.org/presentationml/2006/main">
   <p:cSld>
-    <p:bg>
-      <p:bgPr>
-        <a:blipFill dpi="0" rotWithShape="1">
-          <a:blip r:embed="rId3">
-            <a:alphaModFix amt="70000"/>
-            <a:lum/>
-          </a:blip>
-          <a:srcRect/>
-          <a:stretch>
-            <a:fillRect t="-39000" b="-39000"/>
-          </a:stretch>
-        </a:blipFill>
-        <a:effectLst/>
-      </p:bgPr>
-    </p:bg>
     <p:spTree>
       <p:nvGrpSpPr>
         <p:cNvPr id="1" name=""/>
@@ -18803,42 +17904,6 @@
       </p:grpSpPr>
       <p:pic>
         <p:nvPicPr>
-          <p:cNvPr id="9" name="Picture 8">
-            <a:extLst>
-              <a:ext uri="{FF2B5EF4-FFF2-40B4-BE49-F238E27FC236}">
-                <a16:creationId xmlns:a16="http://schemas.microsoft.com/office/drawing/2014/main" id="{DF89AA1E-E77D-4509-94FF-4BEFE0691857}"/>
-              </a:ext>
-            </a:extLst>
-          </p:cNvPr>
-          <p:cNvPicPr>
-            <a:picLocks noChangeAspect="1"/>
-          </p:cNvPicPr>
-          <p:nvPr/>
-        </p:nvPicPr>
-        <p:blipFill>
-          <a:blip r:embed="rId4">
-            <a:extLst>
-              <a:ext uri="{28A0092B-C50C-407E-A947-70E740481C1C}">
-                <a14:useLocalDpi xmlns:a14="http://schemas.microsoft.com/office/drawing/2010/main" val="0"/>
-              </a:ext>
-            </a:extLst>
-          </a:blip>
-          <a:stretch>
-            <a:fillRect/>
-          </a:stretch>
-        </p:blipFill>
-        <p:spPr>
-          <a:xfrm>
-            <a:off x="171450" y="171450"/>
-            <a:ext cx="3705225" cy="949464"/>
-          </a:xfrm>
-          <a:prstGeom prst="rect">
-            <a:avLst/>
-          </a:prstGeom>
-        </p:spPr>
-      </p:pic>
-      <p:pic>
-        <p:nvPicPr>
           <p:cNvPr id="7" name="Graphic 6">
             <a:extLst>
               <a:ext uri="{FF2B5EF4-FFF2-40B4-BE49-F238E27FC236}">
@@ -18852,13 +17917,13 @@
           <p:nvPr/>
         </p:nvPicPr>
         <p:blipFill>
-          <a:blip r:embed="rId5">
+          <a:blip r:embed="rId3">
             <a:extLst>
               <a:ext uri="{28A0092B-C50C-407E-A947-70E740481C1C}">
                 <a14:useLocalDpi xmlns:a14="http://schemas.microsoft.com/office/drawing/2010/main" val="0"/>
               </a:ext>
               <a:ext uri="{96DAC541-7B7A-43D3-8B79-37D633B846F1}">
-                <asvg:svgBlip xmlns:asvg="http://schemas.microsoft.com/office/drawing/2016/SVG/main" r:embed="rId6"/>
+                <asvg:svgBlip xmlns:asvg="http://schemas.microsoft.com/office/drawing/2016/SVG/main" r:embed="rId4"/>
               </a:ext>
             </a:extLst>
           </a:blip>
@@ -19271,21 +18336,6 @@
 <file path=ppt/slides/slide27.xml><?xml version="1.0" encoding="utf-8"?>
 <p:sld xmlns:a="http://schemas.openxmlformats.org/drawingml/2006/main" xmlns:r="http://schemas.openxmlformats.org/officeDocument/2006/relationships" xmlns:p="http://schemas.openxmlformats.org/presentationml/2006/main">
   <p:cSld>
-    <p:bg>
-      <p:bgPr>
-        <a:blipFill dpi="0" rotWithShape="1">
-          <a:blip r:embed="rId3">
-            <a:alphaModFix amt="70000"/>
-            <a:lum/>
-          </a:blip>
-          <a:srcRect/>
-          <a:stretch>
-            <a:fillRect t="-39000" b="-39000"/>
-          </a:stretch>
-        </a:blipFill>
-        <a:effectLst/>
-      </p:bgPr>
-    </p:bg>
     <p:spTree>
       <p:nvGrpSpPr>
         <p:cNvPr id="1" name=""/>
@@ -19302,42 +18352,6 @@
       </p:grpSpPr>
       <p:pic>
         <p:nvPicPr>
-          <p:cNvPr id="9" name="Picture 8">
-            <a:extLst>
-              <a:ext uri="{FF2B5EF4-FFF2-40B4-BE49-F238E27FC236}">
-                <a16:creationId xmlns:a16="http://schemas.microsoft.com/office/drawing/2014/main" id="{DF89AA1E-E77D-4509-94FF-4BEFE0691857}"/>
-              </a:ext>
-            </a:extLst>
-          </p:cNvPr>
-          <p:cNvPicPr>
-            <a:picLocks noChangeAspect="1"/>
-          </p:cNvPicPr>
-          <p:nvPr/>
-        </p:nvPicPr>
-        <p:blipFill>
-          <a:blip r:embed="rId4">
-            <a:extLst>
-              <a:ext uri="{28A0092B-C50C-407E-A947-70E740481C1C}">
-                <a14:useLocalDpi xmlns:a14="http://schemas.microsoft.com/office/drawing/2010/main" val="0"/>
-              </a:ext>
-            </a:extLst>
-          </a:blip>
-          <a:stretch>
-            <a:fillRect/>
-          </a:stretch>
-        </p:blipFill>
-        <p:spPr>
-          <a:xfrm>
-            <a:off x="171450" y="171450"/>
-            <a:ext cx="3705225" cy="949464"/>
-          </a:xfrm>
-          <a:prstGeom prst="rect">
-            <a:avLst/>
-          </a:prstGeom>
-        </p:spPr>
-      </p:pic>
-      <p:pic>
-        <p:nvPicPr>
           <p:cNvPr id="7" name="Graphic 6">
             <a:extLst>
               <a:ext uri="{FF2B5EF4-FFF2-40B4-BE49-F238E27FC236}">
@@ -19351,13 +18365,13 @@
           <p:nvPr/>
         </p:nvPicPr>
         <p:blipFill>
-          <a:blip r:embed="rId5">
+          <a:blip r:embed="rId3">
             <a:extLst>
               <a:ext uri="{28A0092B-C50C-407E-A947-70E740481C1C}">
                 <a14:useLocalDpi xmlns:a14="http://schemas.microsoft.com/office/drawing/2010/main" val="0"/>
               </a:ext>
               <a:ext uri="{96DAC541-7B7A-43D3-8B79-37D633B846F1}">
-                <asvg:svgBlip xmlns:asvg="http://schemas.microsoft.com/office/drawing/2016/SVG/main" r:embed="rId6"/>
+                <asvg:svgBlip xmlns:asvg="http://schemas.microsoft.com/office/drawing/2016/SVG/main" r:embed="rId4"/>
               </a:ext>
             </a:extLst>
           </a:blip>
@@ -19679,7 +18693,7 @@
           <p:nvPr/>
         </p:nvPicPr>
         <p:blipFill>
-          <a:blip r:embed="rId7">
+          <a:blip r:embed="rId5">
             <a:extLst>
               <a:ext uri="{28A0092B-C50C-407E-A947-70E740481C1C}">
                 <a14:useLocalDpi xmlns:a14="http://schemas.microsoft.com/office/drawing/2010/main" val="0"/>
@@ -19716,21 +18730,6 @@
 <file path=ppt/slides/slide28.xml><?xml version="1.0" encoding="utf-8"?>
 <p:sld xmlns:a="http://schemas.openxmlformats.org/drawingml/2006/main" xmlns:r="http://schemas.openxmlformats.org/officeDocument/2006/relationships" xmlns:p="http://schemas.openxmlformats.org/presentationml/2006/main">
   <p:cSld>
-    <p:bg>
-      <p:bgPr>
-        <a:blipFill dpi="0" rotWithShape="1">
-          <a:blip r:embed="rId3">
-            <a:alphaModFix amt="70000"/>
-            <a:lum/>
-          </a:blip>
-          <a:srcRect/>
-          <a:stretch>
-            <a:fillRect t="-39000" b="-39000"/>
-          </a:stretch>
-        </a:blipFill>
-        <a:effectLst/>
-      </p:bgPr>
-    </p:bg>
     <p:spTree>
       <p:nvGrpSpPr>
         <p:cNvPr id="1" name=""/>
@@ -19747,42 +18746,6 @@
       </p:grpSpPr>
       <p:pic>
         <p:nvPicPr>
-          <p:cNvPr id="9" name="Picture 8">
-            <a:extLst>
-              <a:ext uri="{FF2B5EF4-FFF2-40B4-BE49-F238E27FC236}">
-                <a16:creationId xmlns:a16="http://schemas.microsoft.com/office/drawing/2014/main" id="{DF89AA1E-E77D-4509-94FF-4BEFE0691857}"/>
-              </a:ext>
-            </a:extLst>
-          </p:cNvPr>
-          <p:cNvPicPr>
-            <a:picLocks noChangeAspect="1"/>
-          </p:cNvPicPr>
-          <p:nvPr/>
-        </p:nvPicPr>
-        <p:blipFill>
-          <a:blip r:embed="rId4">
-            <a:extLst>
-              <a:ext uri="{28A0092B-C50C-407E-A947-70E740481C1C}">
-                <a14:useLocalDpi xmlns:a14="http://schemas.microsoft.com/office/drawing/2010/main" val="0"/>
-              </a:ext>
-            </a:extLst>
-          </a:blip>
-          <a:stretch>
-            <a:fillRect/>
-          </a:stretch>
-        </p:blipFill>
-        <p:spPr>
-          <a:xfrm>
-            <a:off x="171450" y="171450"/>
-            <a:ext cx="3705225" cy="949464"/>
-          </a:xfrm>
-          <a:prstGeom prst="rect">
-            <a:avLst/>
-          </a:prstGeom>
-        </p:spPr>
-      </p:pic>
-      <p:pic>
-        <p:nvPicPr>
           <p:cNvPr id="7" name="Graphic 6">
             <a:extLst>
               <a:ext uri="{FF2B5EF4-FFF2-40B4-BE49-F238E27FC236}">
@@ -19796,13 +18759,13 @@
           <p:nvPr/>
         </p:nvPicPr>
         <p:blipFill>
-          <a:blip r:embed="rId5">
+          <a:blip r:embed="rId3">
             <a:extLst>
               <a:ext uri="{28A0092B-C50C-407E-A947-70E740481C1C}">
                 <a14:useLocalDpi xmlns:a14="http://schemas.microsoft.com/office/drawing/2010/main" val="0"/>
               </a:ext>
               <a:ext uri="{96DAC541-7B7A-43D3-8B79-37D633B846F1}">
-                <asvg:svgBlip xmlns:asvg="http://schemas.microsoft.com/office/drawing/2016/SVG/main" r:embed="rId6"/>
+                <asvg:svgBlip xmlns:asvg="http://schemas.microsoft.com/office/drawing/2016/SVG/main" r:embed="rId4"/>
               </a:ext>
             </a:extLst>
           </a:blip>
@@ -20378,21 +19341,6 @@
 <file path=ppt/slides/slide29.xml><?xml version="1.0" encoding="utf-8"?>
 <p:sld xmlns:a="http://schemas.openxmlformats.org/drawingml/2006/main" xmlns:r="http://schemas.openxmlformats.org/officeDocument/2006/relationships" xmlns:p="http://schemas.openxmlformats.org/presentationml/2006/main">
   <p:cSld>
-    <p:bg>
-      <p:bgPr>
-        <a:blipFill dpi="0" rotWithShape="1">
-          <a:blip r:embed="rId3">
-            <a:alphaModFix amt="70000"/>
-            <a:lum/>
-          </a:blip>
-          <a:srcRect/>
-          <a:stretch>
-            <a:fillRect t="-39000" b="-39000"/>
-          </a:stretch>
-        </a:blipFill>
-        <a:effectLst/>
-      </p:bgPr>
-    </p:bg>
     <p:spTree>
       <p:nvGrpSpPr>
         <p:cNvPr id="1" name=""/>
@@ -20409,42 +19357,6 @@
       </p:grpSpPr>
       <p:pic>
         <p:nvPicPr>
-          <p:cNvPr id="9" name="Picture 8">
-            <a:extLst>
-              <a:ext uri="{FF2B5EF4-FFF2-40B4-BE49-F238E27FC236}">
-                <a16:creationId xmlns:a16="http://schemas.microsoft.com/office/drawing/2014/main" id="{DF89AA1E-E77D-4509-94FF-4BEFE0691857}"/>
-              </a:ext>
-            </a:extLst>
-          </p:cNvPr>
-          <p:cNvPicPr>
-            <a:picLocks noChangeAspect="1"/>
-          </p:cNvPicPr>
-          <p:nvPr/>
-        </p:nvPicPr>
-        <p:blipFill>
-          <a:blip r:embed="rId4">
-            <a:extLst>
-              <a:ext uri="{28A0092B-C50C-407E-A947-70E740481C1C}">
-                <a14:useLocalDpi xmlns:a14="http://schemas.microsoft.com/office/drawing/2010/main" val="0"/>
-              </a:ext>
-            </a:extLst>
-          </a:blip>
-          <a:stretch>
-            <a:fillRect/>
-          </a:stretch>
-        </p:blipFill>
-        <p:spPr>
-          <a:xfrm>
-            <a:off x="171450" y="171450"/>
-            <a:ext cx="3705225" cy="949464"/>
-          </a:xfrm>
-          <a:prstGeom prst="rect">
-            <a:avLst/>
-          </a:prstGeom>
-        </p:spPr>
-      </p:pic>
-      <p:pic>
-        <p:nvPicPr>
           <p:cNvPr id="7" name="Graphic 6">
             <a:extLst>
               <a:ext uri="{FF2B5EF4-FFF2-40B4-BE49-F238E27FC236}">
@@ -20458,13 +19370,13 @@
           <p:nvPr/>
         </p:nvPicPr>
         <p:blipFill>
-          <a:blip r:embed="rId5">
+          <a:blip r:embed="rId3">
             <a:extLst>
               <a:ext uri="{28A0092B-C50C-407E-A947-70E740481C1C}">
                 <a14:useLocalDpi xmlns:a14="http://schemas.microsoft.com/office/drawing/2010/main" val="0"/>
               </a:ext>
               <a:ext uri="{96DAC541-7B7A-43D3-8B79-37D633B846F1}">
-                <asvg:svgBlip xmlns:asvg="http://schemas.microsoft.com/office/drawing/2016/SVG/main" r:embed="rId6"/>
+                <asvg:svgBlip xmlns:asvg="http://schemas.microsoft.com/office/drawing/2016/SVG/main" r:embed="rId4"/>
               </a:ext>
             </a:extLst>
           </a:blip>
@@ -21085,21 +19997,6 @@
 <file path=ppt/slides/slide3.xml><?xml version="1.0" encoding="utf-8"?>
 <p:sld xmlns:a="http://schemas.openxmlformats.org/drawingml/2006/main" xmlns:r="http://schemas.openxmlformats.org/officeDocument/2006/relationships" xmlns:p="http://schemas.openxmlformats.org/presentationml/2006/main">
   <p:cSld>
-    <p:bg>
-      <p:bgPr>
-        <a:blipFill dpi="0" rotWithShape="1">
-          <a:blip r:embed="rId2">
-            <a:alphaModFix amt="70000"/>
-            <a:lum/>
-          </a:blip>
-          <a:srcRect/>
-          <a:stretch>
-            <a:fillRect t="-39000" b="-39000"/>
-          </a:stretch>
-        </a:blipFill>
-        <a:effectLst/>
-      </p:bgPr>
-    </p:bg>
     <p:spTree>
       <p:nvGrpSpPr>
         <p:cNvPr id="1" name=""/>
@@ -21114,42 +20011,6 @@
           <a:chExt cx="0" cy="0"/>
         </a:xfrm>
       </p:grpSpPr>
-      <p:pic>
-        <p:nvPicPr>
-          <p:cNvPr id="9" name="Picture 8">
-            <a:extLst>
-              <a:ext uri="{FF2B5EF4-FFF2-40B4-BE49-F238E27FC236}">
-                <a16:creationId xmlns:a16="http://schemas.microsoft.com/office/drawing/2014/main" id="{DF89AA1E-E77D-4509-94FF-4BEFE0691857}"/>
-              </a:ext>
-            </a:extLst>
-          </p:cNvPr>
-          <p:cNvPicPr>
-            <a:picLocks noChangeAspect="1"/>
-          </p:cNvPicPr>
-          <p:nvPr/>
-        </p:nvPicPr>
-        <p:blipFill>
-          <a:blip r:embed="rId3">
-            <a:extLst>
-              <a:ext uri="{28A0092B-C50C-407E-A947-70E740481C1C}">
-                <a14:useLocalDpi xmlns:a14="http://schemas.microsoft.com/office/drawing/2010/main" val="0"/>
-              </a:ext>
-            </a:extLst>
-          </a:blip>
-          <a:stretch>
-            <a:fillRect/>
-          </a:stretch>
-        </p:blipFill>
-        <p:spPr>
-          <a:xfrm>
-            <a:off x="171450" y="171450"/>
-            <a:ext cx="3705225" cy="949464"/>
-          </a:xfrm>
-          <a:prstGeom prst="rect">
-            <a:avLst/>
-          </a:prstGeom>
-        </p:spPr>
-      </p:pic>
       <p:sp>
         <p:nvSpPr>
           <p:cNvPr id="8" name="Title 7">
@@ -21539,21 +20400,6 @@
 <file path=ppt/slides/slide30.xml><?xml version="1.0" encoding="utf-8"?>
 <p:sld xmlns:a="http://schemas.openxmlformats.org/drawingml/2006/main" xmlns:r="http://schemas.openxmlformats.org/officeDocument/2006/relationships" xmlns:p="http://schemas.openxmlformats.org/presentationml/2006/main">
   <p:cSld>
-    <p:bg>
-      <p:bgPr>
-        <a:blipFill dpi="0" rotWithShape="1">
-          <a:blip r:embed="rId3">
-            <a:alphaModFix amt="70000"/>
-            <a:lum/>
-          </a:blip>
-          <a:srcRect/>
-          <a:stretch>
-            <a:fillRect t="-39000" b="-39000"/>
-          </a:stretch>
-        </a:blipFill>
-        <a:effectLst/>
-      </p:bgPr>
-    </p:bg>
     <p:spTree>
       <p:nvGrpSpPr>
         <p:cNvPr id="1" name=""/>
@@ -21570,42 +20416,6 @@
       </p:grpSpPr>
       <p:pic>
         <p:nvPicPr>
-          <p:cNvPr id="9" name="Picture 8">
-            <a:extLst>
-              <a:ext uri="{FF2B5EF4-FFF2-40B4-BE49-F238E27FC236}">
-                <a16:creationId xmlns:a16="http://schemas.microsoft.com/office/drawing/2014/main" id="{DF89AA1E-E77D-4509-94FF-4BEFE0691857}"/>
-              </a:ext>
-            </a:extLst>
-          </p:cNvPr>
-          <p:cNvPicPr>
-            <a:picLocks noChangeAspect="1"/>
-          </p:cNvPicPr>
-          <p:nvPr/>
-        </p:nvPicPr>
-        <p:blipFill>
-          <a:blip r:embed="rId4">
-            <a:extLst>
-              <a:ext uri="{28A0092B-C50C-407E-A947-70E740481C1C}">
-                <a14:useLocalDpi xmlns:a14="http://schemas.microsoft.com/office/drawing/2010/main" val="0"/>
-              </a:ext>
-            </a:extLst>
-          </a:blip>
-          <a:stretch>
-            <a:fillRect/>
-          </a:stretch>
-        </p:blipFill>
-        <p:spPr>
-          <a:xfrm>
-            <a:off x="171450" y="171450"/>
-            <a:ext cx="3705225" cy="949464"/>
-          </a:xfrm>
-          <a:prstGeom prst="rect">
-            <a:avLst/>
-          </a:prstGeom>
-        </p:spPr>
-      </p:pic>
-      <p:pic>
-        <p:nvPicPr>
           <p:cNvPr id="7" name="Graphic 6">
             <a:extLst>
               <a:ext uri="{FF2B5EF4-FFF2-40B4-BE49-F238E27FC236}">
@@ -21619,13 +20429,13 @@
           <p:nvPr/>
         </p:nvPicPr>
         <p:blipFill>
-          <a:blip r:embed="rId5">
+          <a:blip r:embed="rId3">
             <a:extLst>
               <a:ext uri="{28A0092B-C50C-407E-A947-70E740481C1C}">
                 <a14:useLocalDpi xmlns:a14="http://schemas.microsoft.com/office/drawing/2010/main" val="0"/>
               </a:ext>
               <a:ext uri="{96DAC541-7B7A-43D3-8B79-37D633B846F1}">
-                <asvg:svgBlip xmlns:asvg="http://schemas.microsoft.com/office/drawing/2016/SVG/main" r:embed="rId6"/>
+                <asvg:svgBlip xmlns:asvg="http://schemas.microsoft.com/office/drawing/2016/SVG/main" r:embed="rId4"/>
               </a:ext>
             </a:extLst>
           </a:blip>
@@ -22079,21 +20889,6 @@
 <file path=ppt/slides/slide31.xml><?xml version="1.0" encoding="utf-8"?>
 <p:sld xmlns:a="http://schemas.openxmlformats.org/drawingml/2006/main" xmlns:r="http://schemas.openxmlformats.org/officeDocument/2006/relationships" xmlns:p="http://schemas.openxmlformats.org/presentationml/2006/main">
   <p:cSld>
-    <p:bg>
-      <p:bgPr>
-        <a:blipFill dpi="0" rotWithShape="1">
-          <a:blip r:embed="rId3">
-            <a:alphaModFix amt="70000"/>
-            <a:lum/>
-          </a:blip>
-          <a:srcRect/>
-          <a:stretch>
-            <a:fillRect t="-39000" b="-39000"/>
-          </a:stretch>
-        </a:blipFill>
-        <a:effectLst/>
-      </p:bgPr>
-    </p:bg>
     <p:spTree>
       <p:nvGrpSpPr>
         <p:cNvPr id="1" name=""/>
@@ -22110,42 +20905,6 @@
       </p:grpSpPr>
       <p:pic>
         <p:nvPicPr>
-          <p:cNvPr id="9" name="Picture 8">
-            <a:extLst>
-              <a:ext uri="{FF2B5EF4-FFF2-40B4-BE49-F238E27FC236}">
-                <a16:creationId xmlns:a16="http://schemas.microsoft.com/office/drawing/2014/main" id="{DF89AA1E-E77D-4509-94FF-4BEFE0691857}"/>
-              </a:ext>
-            </a:extLst>
-          </p:cNvPr>
-          <p:cNvPicPr>
-            <a:picLocks noChangeAspect="1"/>
-          </p:cNvPicPr>
-          <p:nvPr/>
-        </p:nvPicPr>
-        <p:blipFill>
-          <a:blip r:embed="rId4">
-            <a:extLst>
-              <a:ext uri="{28A0092B-C50C-407E-A947-70E740481C1C}">
-                <a14:useLocalDpi xmlns:a14="http://schemas.microsoft.com/office/drawing/2010/main" val="0"/>
-              </a:ext>
-            </a:extLst>
-          </a:blip>
-          <a:stretch>
-            <a:fillRect/>
-          </a:stretch>
-        </p:blipFill>
-        <p:spPr>
-          <a:xfrm>
-            <a:off x="171450" y="171450"/>
-            <a:ext cx="3705225" cy="949464"/>
-          </a:xfrm>
-          <a:prstGeom prst="rect">
-            <a:avLst/>
-          </a:prstGeom>
-        </p:spPr>
-      </p:pic>
-      <p:pic>
-        <p:nvPicPr>
           <p:cNvPr id="7" name="Graphic 6">
             <a:extLst>
               <a:ext uri="{FF2B5EF4-FFF2-40B4-BE49-F238E27FC236}">
@@ -22159,13 +20918,13 @@
           <p:nvPr/>
         </p:nvPicPr>
         <p:blipFill>
-          <a:blip r:embed="rId5">
+          <a:blip r:embed="rId3">
             <a:extLst>
               <a:ext uri="{28A0092B-C50C-407E-A947-70E740481C1C}">
                 <a14:useLocalDpi xmlns:a14="http://schemas.microsoft.com/office/drawing/2010/main" val="0"/>
               </a:ext>
               <a:ext uri="{96DAC541-7B7A-43D3-8B79-37D633B846F1}">
-                <asvg:svgBlip xmlns:asvg="http://schemas.microsoft.com/office/drawing/2016/SVG/main" r:embed="rId6"/>
+                <asvg:svgBlip xmlns:asvg="http://schemas.microsoft.com/office/drawing/2016/SVG/main" r:embed="rId4"/>
               </a:ext>
             </a:extLst>
           </a:blip>
@@ -22487,7 +21246,7 @@
           <p:nvPr/>
         </p:nvPicPr>
         <p:blipFill>
-          <a:blip r:embed="rId7">
+          <a:blip r:embed="rId5">
             <a:extLst>
               <a:ext uri="{28A0092B-C50C-407E-A947-70E740481C1C}">
                 <a14:useLocalDpi xmlns:a14="http://schemas.microsoft.com/office/drawing/2010/main" val="0"/>
@@ -22524,21 +21283,6 @@
 <file path=ppt/slides/slide32.xml><?xml version="1.0" encoding="utf-8"?>
 <p:sld xmlns:a="http://schemas.openxmlformats.org/drawingml/2006/main" xmlns:r="http://schemas.openxmlformats.org/officeDocument/2006/relationships" xmlns:p="http://schemas.openxmlformats.org/presentationml/2006/main">
   <p:cSld>
-    <p:bg>
-      <p:bgPr>
-        <a:blipFill dpi="0" rotWithShape="1">
-          <a:blip r:embed="rId3">
-            <a:alphaModFix amt="70000"/>
-            <a:lum/>
-          </a:blip>
-          <a:srcRect/>
-          <a:stretch>
-            <a:fillRect t="-39000" b="-39000"/>
-          </a:stretch>
-        </a:blipFill>
-        <a:effectLst/>
-      </p:bgPr>
-    </p:bg>
     <p:spTree>
       <p:nvGrpSpPr>
         <p:cNvPr id="1" name=""/>
@@ -22555,42 +21299,6 @@
       </p:grpSpPr>
       <p:pic>
         <p:nvPicPr>
-          <p:cNvPr id="9" name="Picture 8">
-            <a:extLst>
-              <a:ext uri="{FF2B5EF4-FFF2-40B4-BE49-F238E27FC236}">
-                <a16:creationId xmlns:a16="http://schemas.microsoft.com/office/drawing/2014/main" id="{DF89AA1E-E77D-4509-94FF-4BEFE0691857}"/>
-              </a:ext>
-            </a:extLst>
-          </p:cNvPr>
-          <p:cNvPicPr>
-            <a:picLocks noChangeAspect="1"/>
-          </p:cNvPicPr>
-          <p:nvPr/>
-        </p:nvPicPr>
-        <p:blipFill>
-          <a:blip r:embed="rId4">
-            <a:extLst>
-              <a:ext uri="{28A0092B-C50C-407E-A947-70E740481C1C}">
-                <a14:useLocalDpi xmlns:a14="http://schemas.microsoft.com/office/drawing/2010/main" val="0"/>
-              </a:ext>
-            </a:extLst>
-          </a:blip>
-          <a:stretch>
-            <a:fillRect/>
-          </a:stretch>
-        </p:blipFill>
-        <p:spPr>
-          <a:xfrm>
-            <a:off x="171450" y="171450"/>
-            <a:ext cx="3705225" cy="949464"/>
-          </a:xfrm>
-          <a:prstGeom prst="rect">
-            <a:avLst/>
-          </a:prstGeom>
-        </p:spPr>
-      </p:pic>
-      <p:pic>
-        <p:nvPicPr>
           <p:cNvPr id="7" name="Graphic 6">
             <a:extLst>
               <a:ext uri="{FF2B5EF4-FFF2-40B4-BE49-F238E27FC236}">
@@ -22604,13 +21312,13 @@
           <p:nvPr/>
         </p:nvPicPr>
         <p:blipFill>
-          <a:blip r:embed="rId5">
+          <a:blip r:embed="rId3">
             <a:extLst>
               <a:ext uri="{28A0092B-C50C-407E-A947-70E740481C1C}">
                 <a14:useLocalDpi xmlns:a14="http://schemas.microsoft.com/office/drawing/2010/main" val="0"/>
               </a:ext>
               <a:ext uri="{96DAC541-7B7A-43D3-8B79-37D633B846F1}">
-                <asvg:svgBlip xmlns:asvg="http://schemas.microsoft.com/office/drawing/2016/SVG/main" r:embed="rId6"/>
+                <asvg:svgBlip xmlns:asvg="http://schemas.microsoft.com/office/drawing/2016/SVG/main" r:embed="rId4"/>
               </a:ext>
             </a:extLst>
           </a:blip>
@@ -23186,21 +21894,6 @@
 <file path=ppt/slides/slide33.xml><?xml version="1.0" encoding="utf-8"?>
 <p:sld xmlns:a="http://schemas.openxmlformats.org/drawingml/2006/main" xmlns:r="http://schemas.openxmlformats.org/officeDocument/2006/relationships" xmlns:p="http://schemas.openxmlformats.org/presentationml/2006/main">
   <p:cSld>
-    <p:bg>
-      <p:bgPr>
-        <a:blipFill dpi="0" rotWithShape="1">
-          <a:blip r:embed="rId3">
-            <a:alphaModFix amt="70000"/>
-            <a:lum/>
-          </a:blip>
-          <a:srcRect/>
-          <a:stretch>
-            <a:fillRect t="-39000" b="-39000"/>
-          </a:stretch>
-        </a:blipFill>
-        <a:effectLst/>
-      </p:bgPr>
-    </p:bg>
     <p:spTree>
       <p:nvGrpSpPr>
         <p:cNvPr id="1" name=""/>
@@ -23217,42 +21910,6 @@
       </p:grpSpPr>
       <p:pic>
         <p:nvPicPr>
-          <p:cNvPr id="9" name="Picture 8">
-            <a:extLst>
-              <a:ext uri="{FF2B5EF4-FFF2-40B4-BE49-F238E27FC236}">
-                <a16:creationId xmlns:a16="http://schemas.microsoft.com/office/drawing/2014/main" id="{DF89AA1E-E77D-4509-94FF-4BEFE0691857}"/>
-              </a:ext>
-            </a:extLst>
-          </p:cNvPr>
-          <p:cNvPicPr>
-            <a:picLocks noChangeAspect="1"/>
-          </p:cNvPicPr>
-          <p:nvPr/>
-        </p:nvPicPr>
-        <p:blipFill>
-          <a:blip r:embed="rId4">
-            <a:extLst>
-              <a:ext uri="{28A0092B-C50C-407E-A947-70E740481C1C}">
-                <a14:useLocalDpi xmlns:a14="http://schemas.microsoft.com/office/drawing/2010/main" val="0"/>
-              </a:ext>
-            </a:extLst>
-          </a:blip>
-          <a:stretch>
-            <a:fillRect/>
-          </a:stretch>
-        </p:blipFill>
-        <p:spPr>
-          <a:xfrm>
-            <a:off x="171450" y="171450"/>
-            <a:ext cx="3705225" cy="949464"/>
-          </a:xfrm>
-          <a:prstGeom prst="rect">
-            <a:avLst/>
-          </a:prstGeom>
-        </p:spPr>
-      </p:pic>
-      <p:pic>
-        <p:nvPicPr>
           <p:cNvPr id="7" name="Graphic 6">
             <a:extLst>
               <a:ext uri="{FF2B5EF4-FFF2-40B4-BE49-F238E27FC236}">
@@ -23266,13 +21923,13 @@
           <p:nvPr/>
         </p:nvPicPr>
         <p:blipFill>
-          <a:blip r:embed="rId5">
+          <a:blip r:embed="rId3">
             <a:extLst>
               <a:ext uri="{28A0092B-C50C-407E-A947-70E740481C1C}">
                 <a14:useLocalDpi xmlns:a14="http://schemas.microsoft.com/office/drawing/2010/main" val="0"/>
               </a:ext>
               <a:ext uri="{96DAC541-7B7A-43D3-8B79-37D633B846F1}">
-                <asvg:svgBlip xmlns:asvg="http://schemas.microsoft.com/office/drawing/2016/SVG/main" r:embed="rId6"/>
+                <asvg:svgBlip xmlns:asvg="http://schemas.microsoft.com/office/drawing/2016/SVG/main" r:embed="rId4"/>
               </a:ext>
             </a:extLst>
           </a:blip>
@@ -23893,21 +22550,6 @@
 <file path=ppt/slides/slide34.xml><?xml version="1.0" encoding="utf-8"?>
 <p:sld xmlns:a="http://schemas.openxmlformats.org/drawingml/2006/main" xmlns:r="http://schemas.openxmlformats.org/officeDocument/2006/relationships" xmlns:p="http://schemas.openxmlformats.org/presentationml/2006/main">
   <p:cSld>
-    <p:bg>
-      <p:bgPr>
-        <a:blipFill dpi="0" rotWithShape="1">
-          <a:blip r:embed="rId3">
-            <a:alphaModFix amt="70000"/>
-            <a:lum/>
-          </a:blip>
-          <a:srcRect/>
-          <a:stretch>
-            <a:fillRect t="-39000" b="-39000"/>
-          </a:stretch>
-        </a:blipFill>
-        <a:effectLst/>
-      </p:bgPr>
-    </p:bg>
     <p:spTree>
       <p:nvGrpSpPr>
         <p:cNvPr id="1" name=""/>
@@ -23924,42 +22566,6 @@
       </p:grpSpPr>
       <p:pic>
         <p:nvPicPr>
-          <p:cNvPr id="9" name="Picture 8">
-            <a:extLst>
-              <a:ext uri="{FF2B5EF4-FFF2-40B4-BE49-F238E27FC236}">
-                <a16:creationId xmlns:a16="http://schemas.microsoft.com/office/drawing/2014/main" id="{DF89AA1E-E77D-4509-94FF-4BEFE0691857}"/>
-              </a:ext>
-            </a:extLst>
-          </p:cNvPr>
-          <p:cNvPicPr>
-            <a:picLocks noChangeAspect="1"/>
-          </p:cNvPicPr>
-          <p:nvPr/>
-        </p:nvPicPr>
-        <p:blipFill>
-          <a:blip r:embed="rId4">
-            <a:extLst>
-              <a:ext uri="{28A0092B-C50C-407E-A947-70E740481C1C}">
-                <a14:useLocalDpi xmlns:a14="http://schemas.microsoft.com/office/drawing/2010/main" val="0"/>
-              </a:ext>
-            </a:extLst>
-          </a:blip>
-          <a:stretch>
-            <a:fillRect/>
-          </a:stretch>
-        </p:blipFill>
-        <p:spPr>
-          <a:xfrm>
-            <a:off x="171450" y="171450"/>
-            <a:ext cx="3705225" cy="949464"/>
-          </a:xfrm>
-          <a:prstGeom prst="rect">
-            <a:avLst/>
-          </a:prstGeom>
-        </p:spPr>
-      </p:pic>
-      <p:pic>
-        <p:nvPicPr>
           <p:cNvPr id="7" name="Graphic 6">
             <a:extLst>
               <a:ext uri="{FF2B5EF4-FFF2-40B4-BE49-F238E27FC236}">
@@ -23973,13 +22579,13 @@
           <p:nvPr/>
         </p:nvPicPr>
         <p:blipFill>
-          <a:blip r:embed="rId5">
+          <a:blip r:embed="rId3">
             <a:extLst>
               <a:ext uri="{28A0092B-C50C-407E-A947-70E740481C1C}">
                 <a14:useLocalDpi xmlns:a14="http://schemas.microsoft.com/office/drawing/2010/main" val="0"/>
               </a:ext>
               <a:ext uri="{96DAC541-7B7A-43D3-8B79-37D633B846F1}">
-                <asvg:svgBlip xmlns:asvg="http://schemas.microsoft.com/office/drawing/2016/SVG/main" r:embed="rId6"/>
+                <asvg:svgBlip xmlns:asvg="http://schemas.microsoft.com/office/drawing/2016/SVG/main" r:embed="rId4"/>
               </a:ext>
             </a:extLst>
           </a:blip>
@@ -24348,21 +22954,6 @@
 <file path=ppt/slides/slide35.xml><?xml version="1.0" encoding="utf-8"?>
 <p:sld xmlns:a="http://schemas.openxmlformats.org/drawingml/2006/main" xmlns:r="http://schemas.openxmlformats.org/officeDocument/2006/relationships" xmlns:p="http://schemas.openxmlformats.org/presentationml/2006/main">
   <p:cSld>
-    <p:bg>
-      <p:bgPr>
-        <a:blipFill dpi="0" rotWithShape="1">
-          <a:blip r:embed="rId3">
-            <a:alphaModFix amt="70000"/>
-            <a:lum/>
-          </a:blip>
-          <a:srcRect/>
-          <a:stretch>
-            <a:fillRect t="-39000" b="-39000"/>
-          </a:stretch>
-        </a:blipFill>
-        <a:effectLst/>
-      </p:bgPr>
-    </p:bg>
     <p:spTree>
       <p:nvGrpSpPr>
         <p:cNvPr id="1" name=""/>
@@ -24379,42 +22970,6 @@
       </p:grpSpPr>
       <p:pic>
         <p:nvPicPr>
-          <p:cNvPr id="9" name="Picture 8">
-            <a:extLst>
-              <a:ext uri="{FF2B5EF4-FFF2-40B4-BE49-F238E27FC236}">
-                <a16:creationId xmlns:a16="http://schemas.microsoft.com/office/drawing/2014/main" id="{DF89AA1E-E77D-4509-94FF-4BEFE0691857}"/>
-              </a:ext>
-            </a:extLst>
-          </p:cNvPr>
-          <p:cNvPicPr>
-            <a:picLocks noChangeAspect="1"/>
-          </p:cNvPicPr>
-          <p:nvPr/>
-        </p:nvPicPr>
-        <p:blipFill>
-          <a:blip r:embed="rId4">
-            <a:extLst>
-              <a:ext uri="{28A0092B-C50C-407E-A947-70E740481C1C}">
-                <a14:useLocalDpi xmlns:a14="http://schemas.microsoft.com/office/drawing/2010/main" val="0"/>
-              </a:ext>
-            </a:extLst>
-          </a:blip>
-          <a:stretch>
-            <a:fillRect/>
-          </a:stretch>
-        </p:blipFill>
-        <p:spPr>
-          <a:xfrm>
-            <a:off x="171450" y="171450"/>
-            <a:ext cx="3705225" cy="949464"/>
-          </a:xfrm>
-          <a:prstGeom prst="rect">
-            <a:avLst/>
-          </a:prstGeom>
-        </p:spPr>
-      </p:pic>
-      <p:pic>
-        <p:nvPicPr>
           <p:cNvPr id="7" name="Graphic 6">
             <a:extLst>
               <a:ext uri="{FF2B5EF4-FFF2-40B4-BE49-F238E27FC236}">
@@ -24428,13 +22983,13 @@
           <p:nvPr/>
         </p:nvPicPr>
         <p:blipFill>
-          <a:blip r:embed="rId5">
+          <a:blip r:embed="rId3">
             <a:extLst>
               <a:ext uri="{28A0092B-C50C-407E-A947-70E740481C1C}">
                 <a14:useLocalDpi xmlns:a14="http://schemas.microsoft.com/office/drawing/2010/main" val="0"/>
               </a:ext>
               <a:ext uri="{96DAC541-7B7A-43D3-8B79-37D633B846F1}">
-                <asvg:svgBlip xmlns:asvg="http://schemas.microsoft.com/office/drawing/2016/SVG/main" r:embed="rId6"/>
+                <asvg:svgBlip xmlns:asvg="http://schemas.microsoft.com/office/drawing/2016/SVG/main" r:embed="rId4"/>
               </a:ext>
             </a:extLst>
           </a:blip>
@@ -24756,7 +23311,7 @@
           <p:nvPr/>
         </p:nvPicPr>
         <p:blipFill>
-          <a:blip r:embed="rId7">
+          <a:blip r:embed="rId5">
             <a:extLst>
               <a:ext uri="{28A0092B-C50C-407E-A947-70E740481C1C}">
                 <a14:useLocalDpi xmlns:a14="http://schemas.microsoft.com/office/drawing/2010/main" val="0"/>
@@ -24793,21 +23348,6 @@
 <file path=ppt/slides/slide36.xml><?xml version="1.0" encoding="utf-8"?>
 <p:sld xmlns:a="http://schemas.openxmlformats.org/drawingml/2006/main" xmlns:r="http://schemas.openxmlformats.org/officeDocument/2006/relationships" xmlns:p="http://schemas.openxmlformats.org/presentationml/2006/main">
   <p:cSld>
-    <p:bg>
-      <p:bgPr>
-        <a:blipFill dpi="0" rotWithShape="1">
-          <a:blip r:embed="rId3">
-            <a:alphaModFix amt="70000"/>
-            <a:lum/>
-          </a:blip>
-          <a:srcRect/>
-          <a:stretch>
-            <a:fillRect t="-39000" b="-39000"/>
-          </a:stretch>
-        </a:blipFill>
-        <a:effectLst/>
-      </p:bgPr>
-    </p:bg>
     <p:spTree>
       <p:nvGrpSpPr>
         <p:cNvPr id="1" name=""/>
@@ -24824,42 +23364,6 @@
       </p:grpSpPr>
       <p:pic>
         <p:nvPicPr>
-          <p:cNvPr id="9" name="Picture 8">
-            <a:extLst>
-              <a:ext uri="{FF2B5EF4-FFF2-40B4-BE49-F238E27FC236}">
-                <a16:creationId xmlns:a16="http://schemas.microsoft.com/office/drawing/2014/main" id="{DF89AA1E-E77D-4509-94FF-4BEFE0691857}"/>
-              </a:ext>
-            </a:extLst>
-          </p:cNvPr>
-          <p:cNvPicPr>
-            <a:picLocks noChangeAspect="1"/>
-          </p:cNvPicPr>
-          <p:nvPr/>
-        </p:nvPicPr>
-        <p:blipFill>
-          <a:blip r:embed="rId4">
-            <a:extLst>
-              <a:ext uri="{28A0092B-C50C-407E-A947-70E740481C1C}">
-                <a14:useLocalDpi xmlns:a14="http://schemas.microsoft.com/office/drawing/2010/main" val="0"/>
-              </a:ext>
-            </a:extLst>
-          </a:blip>
-          <a:stretch>
-            <a:fillRect/>
-          </a:stretch>
-        </p:blipFill>
-        <p:spPr>
-          <a:xfrm>
-            <a:off x="171450" y="171450"/>
-            <a:ext cx="3705225" cy="949464"/>
-          </a:xfrm>
-          <a:prstGeom prst="rect">
-            <a:avLst/>
-          </a:prstGeom>
-        </p:spPr>
-      </p:pic>
-      <p:pic>
-        <p:nvPicPr>
           <p:cNvPr id="7" name="Graphic 6">
             <a:extLst>
               <a:ext uri="{FF2B5EF4-FFF2-40B4-BE49-F238E27FC236}">
@@ -24873,13 +23377,13 @@
           <p:nvPr/>
         </p:nvPicPr>
         <p:blipFill>
-          <a:blip r:embed="rId5">
+          <a:blip r:embed="rId3">
             <a:extLst>
               <a:ext uri="{28A0092B-C50C-407E-A947-70E740481C1C}">
                 <a14:useLocalDpi xmlns:a14="http://schemas.microsoft.com/office/drawing/2010/main" val="0"/>
               </a:ext>
               <a:ext uri="{96DAC541-7B7A-43D3-8B79-37D633B846F1}">
-                <asvg:svgBlip xmlns:asvg="http://schemas.microsoft.com/office/drawing/2016/SVG/main" r:embed="rId6"/>
+                <asvg:svgBlip xmlns:asvg="http://schemas.microsoft.com/office/drawing/2016/SVG/main" r:embed="rId4"/>
               </a:ext>
             </a:extLst>
           </a:blip>
@@ -25455,21 +23959,6 @@
 <file path=ppt/slides/slide37.xml><?xml version="1.0" encoding="utf-8"?>
 <p:sld xmlns:a="http://schemas.openxmlformats.org/drawingml/2006/main" xmlns:r="http://schemas.openxmlformats.org/officeDocument/2006/relationships" xmlns:p="http://schemas.openxmlformats.org/presentationml/2006/main">
   <p:cSld>
-    <p:bg>
-      <p:bgPr>
-        <a:blipFill dpi="0" rotWithShape="1">
-          <a:blip r:embed="rId3">
-            <a:alphaModFix amt="70000"/>
-            <a:lum/>
-          </a:blip>
-          <a:srcRect/>
-          <a:stretch>
-            <a:fillRect t="-39000" b="-39000"/>
-          </a:stretch>
-        </a:blipFill>
-        <a:effectLst/>
-      </p:bgPr>
-    </p:bg>
     <p:spTree>
       <p:nvGrpSpPr>
         <p:cNvPr id="1" name=""/>
@@ -25484,42 +23973,6 @@
           <a:chExt cx="0" cy="0"/>
         </a:xfrm>
       </p:grpSpPr>
-      <p:pic>
-        <p:nvPicPr>
-          <p:cNvPr id="9" name="Picture 8">
-            <a:extLst>
-              <a:ext uri="{FF2B5EF4-FFF2-40B4-BE49-F238E27FC236}">
-                <a16:creationId xmlns:a16="http://schemas.microsoft.com/office/drawing/2014/main" id="{DF89AA1E-E77D-4509-94FF-4BEFE0691857}"/>
-              </a:ext>
-            </a:extLst>
-          </p:cNvPr>
-          <p:cNvPicPr>
-            <a:picLocks noChangeAspect="1"/>
-          </p:cNvPicPr>
-          <p:nvPr/>
-        </p:nvPicPr>
-        <p:blipFill>
-          <a:blip r:embed="rId4">
-            <a:extLst>
-              <a:ext uri="{28A0092B-C50C-407E-A947-70E740481C1C}">
-                <a14:useLocalDpi xmlns:a14="http://schemas.microsoft.com/office/drawing/2010/main" val="0"/>
-              </a:ext>
-            </a:extLst>
-          </a:blip>
-          <a:stretch>
-            <a:fillRect/>
-          </a:stretch>
-        </p:blipFill>
-        <p:spPr>
-          <a:xfrm>
-            <a:off x="171450" y="171450"/>
-            <a:ext cx="3705225" cy="949464"/>
-          </a:xfrm>
-          <a:prstGeom prst="rect">
-            <a:avLst/>
-          </a:prstGeom>
-        </p:spPr>
-      </p:pic>
       <p:sp>
         <p:nvSpPr>
           <p:cNvPr id="6" name="Content Placeholder 9">
@@ -26144,21 +24597,6 @@
 <file path=ppt/slides/slide38.xml><?xml version="1.0" encoding="utf-8"?>
 <p:sld xmlns:a="http://schemas.openxmlformats.org/drawingml/2006/main" xmlns:r="http://schemas.openxmlformats.org/officeDocument/2006/relationships" xmlns:p="http://schemas.openxmlformats.org/presentationml/2006/main">
   <p:cSld>
-    <p:bg>
-      <p:bgPr>
-        <a:blipFill dpi="0" rotWithShape="1">
-          <a:blip r:embed="rId3">
-            <a:alphaModFix amt="70000"/>
-            <a:lum/>
-          </a:blip>
-          <a:srcRect/>
-          <a:stretch>
-            <a:fillRect t="-39000" b="-39000"/>
-          </a:stretch>
-        </a:blipFill>
-        <a:effectLst/>
-      </p:bgPr>
-    </p:bg>
     <p:spTree>
       <p:nvGrpSpPr>
         <p:cNvPr id="1" name=""/>
@@ -26173,42 +24611,6 @@
           <a:chExt cx="0" cy="0"/>
         </a:xfrm>
       </p:grpSpPr>
-      <p:pic>
-        <p:nvPicPr>
-          <p:cNvPr id="9" name="Picture 8">
-            <a:extLst>
-              <a:ext uri="{FF2B5EF4-FFF2-40B4-BE49-F238E27FC236}">
-                <a16:creationId xmlns:a16="http://schemas.microsoft.com/office/drawing/2014/main" id="{DF89AA1E-E77D-4509-94FF-4BEFE0691857}"/>
-              </a:ext>
-            </a:extLst>
-          </p:cNvPr>
-          <p:cNvPicPr>
-            <a:picLocks noChangeAspect="1"/>
-          </p:cNvPicPr>
-          <p:nvPr/>
-        </p:nvPicPr>
-        <p:blipFill>
-          <a:blip r:embed="rId4">
-            <a:extLst>
-              <a:ext uri="{28A0092B-C50C-407E-A947-70E740481C1C}">
-                <a14:useLocalDpi xmlns:a14="http://schemas.microsoft.com/office/drawing/2010/main" val="0"/>
-              </a:ext>
-            </a:extLst>
-          </a:blip>
-          <a:stretch>
-            <a:fillRect/>
-          </a:stretch>
-        </p:blipFill>
-        <p:spPr>
-          <a:xfrm>
-            <a:off x="171450" y="171450"/>
-            <a:ext cx="3705225" cy="949464"/>
-          </a:xfrm>
-          <a:prstGeom prst="rect">
-            <a:avLst/>
-          </a:prstGeom>
-        </p:spPr>
-      </p:pic>
       <p:sp>
         <p:nvSpPr>
           <p:cNvPr id="6" name="Content Placeholder 9">
@@ -26514,21 +24916,6 @@
 <file path=ppt/slides/slide4.xml><?xml version="1.0" encoding="utf-8"?>
 <p:sld xmlns:a="http://schemas.openxmlformats.org/drawingml/2006/main" xmlns:r="http://schemas.openxmlformats.org/officeDocument/2006/relationships" xmlns:p="http://schemas.openxmlformats.org/presentationml/2006/main">
   <p:cSld>
-    <p:bg>
-      <p:bgPr>
-        <a:blipFill dpi="0" rotWithShape="1">
-          <a:blip r:embed="rId2">
-            <a:alphaModFix amt="70000"/>
-            <a:lum/>
-          </a:blip>
-          <a:srcRect/>
-          <a:stretch>
-            <a:fillRect t="-39000" b="-39000"/>
-          </a:stretch>
-        </a:blipFill>
-        <a:effectLst/>
-      </p:bgPr>
-    </p:bg>
     <p:spTree>
       <p:nvGrpSpPr>
         <p:cNvPr id="1" name=""/>
@@ -26543,42 +24930,6 @@
           <a:chExt cx="0" cy="0"/>
         </a:xfrm>
       </p:grpSpPr>
-      <p:pic>
-        <p:nvPicPr>
-          <p:cNvPr id="9" name="Picture 8">
-            <a:extLst>
-              <a:ext uri="{FF2B5EF4-FFF2-40B4-BE49-F238E27FC236}">
-                <a16:creationId xmlns:a16="http://schemas.microsoft.com/office/drawing/2014/main" id="{DF89AA1E-E77D-4509-94FF-4BEFE0691857}"/>
-              </a:ext>
-            </a:extLst>
-          </p:cNvPr>
-          <p:cNvPicPr>
-            <a:picLocks noChangeAspect="1"/>
-          </p:cNvPicPr>
-          <p:nvPr/>
-        </p:nvPicPr>
-        <p:blipFill>
-          <a:blip r:embed="rId3">
-            <a:extLst>
-              <a:ext uri="{28A0092B-C50C-407E-A947-70E740481C1C}">
-                <a14:useLocalDpi xmlns:a14="http://schemas.microsoft.com/office/drawing/2010/main" val="0"/>
-              </a:ext>
-            </a:extLst>
-          </a:blip>
-          <a:stretch>
-            <a:fillRect/>
-          </a:stretch>
-        </p:blipFill>
-        <p:spPr>
-          <a:xfrm>
-            <a:off x="171450" y="171450"/>
-            <a:ext cx="3705225" cy="949464"/>
-          </a:xfrm>
-          <a:prstGeom prst="rect">
-            <a:avLst/>
-          </a:prstGeom>
-        </p:spPr>
-      </p:pic>
       <p:sp>
         <p:nvSpPr>
           <p:cNvPr id="8" name="Title 7">
@@ -27473,21 +25824,6 @@
 <file path=ppt/slides/slide5.xml><?xml version="1.0" encoding="utf-8"?>
 <p:sld xmlns:a="http://schemas.openxmlformats.org/drawingml/2006/main" xmlns:r="http://schemas.openxmlformats.org/officeDocument/2006/relationships" xmlns:p="http://schemas.openxmlformats.org/presentationml/2006/main">
   <p:cSld>
-    <p:bg>
-      <p:bgPr>
-        <a:blipFill dpi="0" rotWithShape="1">
-          <a:blip r:embed="rId2">
-            <a:alphaModFix amt="70000"/>
-            <a:lum/>
-          </a:blip>
-          <a:srcRect/>
-          <a:stretch>
-            <a:fillRect t="-39000" b="-39000"/>
-          </a:stretch>
-        </a:blipFill>
-        <a:effectLst/>
-      </p:bgPr>
-    </p:bg>
     <p:spTree>
       <p:nvGrpSpPr>
         <p:cNvPr id="1" name=""/>
@@ -27502,42 +25838,6 @@
           <a:chExt cx="0" cy="0"/>
         </a:xfrm>
       </p:grpSpPr>
-      <p:pic>
-        <p:nvPicPr>
-          <p:cNvPr id="9" name="Picture 8">
-            <a:extLst>
-              <a:ext uri="{FF2B5EF4-FFF2-40B4-BE49-F238E27FC236}">
-                <a16:creationId xmlns:a16="http://schemas.microsoft.com/office/drawing/2014/main" id="{DF89AA1E-E77D-4509-94FF-4BEFE0691857}"/>
-              </a:ext>
-            </a:extLst>
-          </p:cNvPr>
-          <p:cNvPicPr>
-            <a:picLocks noChangeAspect="1"/>
-          </p:cNvPicPr>
-          <p:nvPr/>
-        </p:nvPicPr>
-        <p:blipFill>
-          <a:blip r:embed="rId3">
-            <a:extLst>
-              <a:ext uri="{28A0092B-C50C-407E-A947-70E740481C1C}">
-                <a14:useLocalDpi xmlns:a14="http://schemas.microsoft.com/office/drawing/2010/main" val="0"/>
-              </a:ext>
-            </a:extLst>
-          </a:blip>
-          <a:stretch>
-            <a:fillRect/>
-          </a:stretch>
-        </p:blipFill>
-        <p:spPr>
-          <a:xfrm>
-            <a:off x="171450" y="171450"/>
-            <a:ext cx="3705225" cy="949464"/>
-          </a:xfrm>
-          <a:prstGeom prst="rect">
-            <a:avLst/>
-          </a:prstGeom>
-        </p:spPr>
-      </p:pic>
       <p:sp>
         <p:nvSpPr>
           <p:cNvPr id="8" name="Title 7">
@@ -27794,21 +26094,6 @@
 <file path=ppt/slides/slide6.xml><?xml version="1.0" encoding="utf-8"?>
 <p:sld xmlns:a="http://schemas.openxmlformats.org/drawingml/2006/main" xmlns:r="http://schemas.openxmlformats.org/officeDocument/2006/relationships" xmlns:p="http://schemas.openxmlformats.org/presentationml/2006/main">
   <p:cSld>
-    <p:bg>
-      <p:bgPr>
-        <a:blipFill dpi="0" rotWithShape="1">
-          <a:blip r:embed="rId3">
-            <a:alphaModFix amt="70000"/>
-            <a:lum/>
-          </a:blip>
-          <a:srcRect/>
-          <a:stretch>
-            <a:fillRect t="-39000" b="-39000"/>
-          </a:stretch>
-        </a:blipFill>
-        <a:effectLst/>
-      </p:bgPr>
-    </p:bg>
     <p:spTree>
       <p:nvGrpSpPr>
         <p:cNvPr id="1" name=""/>
@@ -27823,42 +26108,6 @@
           <a:chExt cx="0" cy="0"/>
         </a:xfrm>
       </p:grpSpPr>
-      <p:pic>
-        <p:nvPicPr>
-          <p:cNvPr id="9" name="Picture 8">
-            <a:extLst>
-              <a:ext uri="{FF2B5EF4-FFF2-40B4-BE49-F238E27FC236}">
-                <a16:creationId xmlns:a16="http://schemas.microsoft.com/office/drawing/2014/main" id="{DF89AA1E-E77D-4509-94FF-4BEFE0691857}"/>
-              </a:ext>
-            </a:extLst>
-          </p:cNvPr>
-          <p:cNvPicPr>
-            <a:picLocks noChangeAspect="1"/>
-          </p:cNvPicPr>
-          <p:nvPr/>
-        </p:nvPicPr>
-        <p:blipFill>
-          <a:blip r:embed="rId4">
-            <a:extLst>
-              <a:ext uri="{28A0092B-C50C-407E-A947-70E740481C1C}">
-                <a14:useLocalDpi xmlns:a14="http://schemas.microsoft.com/office/drawing/2010/main" val="0"/>
-              </a:ext>
-            </a:extLst>
-          </a:blip>
-          <a:stretch>
-            <a:fillRect/>
-          </a:stretch>
-        </p:blipFill>
-        <p:spPr>
-          <a:xfrm>
-            <a:off x="171450" y="171450"/>
-            <a:ext cx="3705225" cy="949464"/>
-          </a:xfrm>
-          <a:prstGeom prst="rect">
-            <a:avLst/>
-          </a:prstGeom>
-        </p:spPr>
-      </p:pic>
       <p:sp>
         <p:nvSpPr>
           <p:cNvPr id="8" name="Title 7">
@@ -28088,7 +26337,7 @@
           <p:nvPr/>
         </p:nvPicPr>
         <p:blipFill>
-          <a:blip r:embed="rId5">
+          <a:blip r:embed="rId3">
             <a:extLst>
               <a:ext uri="{28A0092B-C50C-407E-A947-70E740481C1C}">
                 <a14:useLocalDpi xmlns:a14="http://schemas.microsoft.com/office/drawing/2010/main" val="0"/>
@@ -28125,21 +26374,6 @@
 <file path=ppt/slides/slide7.xml><?xml version="1.0" encoding="utf-8"?>
 <p:sld xmlns:a="http://schemas.openxmlformats.org/drawingml/2006/main" xmlns:r="http://schemas.openxmlformats.org/officeDocument/2006/relationships" xmlns:p="http://schemas.openxmlformats.org/presentationml/2006/main">
   <p:cSld>
-    <p:bg>
-      <p:bgPr>
-        <a:blipFill dpi="0" rotWithShape="1">
-          <a:blip r:embed="rId3">
-            <a:alphaModFix amt="70000"/>
-            <a:lum/>
-          </a:blip>
-          <a:srcRect/>
-          <a:stretch>
-            <a:fillRect t="-39000" b="-39000"/>
-          </a:stretch>
-        </a:blipFill>
-        <a:effectLst/>
-      </p:bgPr>
-    </p:bg>
     <p:spTree>
       <p:nvGrpSpPr>
         <p:cNvPr id="1" name=""/>
@@ -28154,42 +26388,6 @@
           <a:chExt cx="0" cy="0"/>
         </a:xfrm>
       </p:grpSpPr>
-      <p:pic>
-        <p:nvPicPr>
-          <p:cNvPr id="9" name="Picture 8">
-            <a:extLst>
-              <a:ext uri="{FF2B5EF4-FFF2-40B4-BE49-F238E27FC236}">
-                <a16:creationId xmlns:a16="http://schemas.microsoft.com/office/drawing/2014/main" id="{DF89AA1E-E77D-4509-94FF-4BEFE0691857}"/>
-              </a:ext>
-            </a:extLst>
-          </p:cNvPr>
-          <p:cNvPicPr>
-            <a:picLocks noChangeAspect="1"/>
-          </p:cNvPicPr>
-          <p:nvPr/>
-        </p:nvPicPr>
-        <p:blipFill>
-          <a:blip r:embed="rId4">
-            <a:extLst>
-              <a:ext uri="{28A0092B-C50C-407E-A947-70E740481C1C}">
-                <a14:useLocalDpi xmlns:a14="http://schemas.microsoft.com/office/drawing/2010/main" val="0"/>
-              </a:ext>
-            </a:extLst>
-          </a:blip>
-          <a:stretch>
-            <a:fillRect/>
-          </a:stretch>
-        </p:blipFill>
-        <p:spPr>
-          <a:xfrm>
-            <a:off x="171450" y="171450"/>
-            <a:ext cx="3705225" cy="949464"/>
-          </a:xfrm>
-          <a:prstGeom prst="rect">
-            <a:avLst/>
-          </a:prstGeom>
-        </p:spPr>
-      </p:pic>
       <p:sp>
         <p:nvSpPr>
           <p:cNvPr id="8" name="Title 7">
@@ -28261,7 +26459,7 @@
           </p:nvPr>
         </p:nvPicPr>
         <p:blipFill>
-          <a:blip r:embed="rId5">
+          <a:blip r:embed="rId3">
             <a:extLst>
               <a:ext uri="{28A0092B-C50C-407E-A947-70E740481C1C}">
                 <a14:useLocalDpi xmlns:a14="http://schemas.microsoft.com/office/drawing/2010/main" val="0"/>
@@ -28573,21 +26771,6 @@
 <file path=ppt/slides/slide8.xml><?xml version="1.0" encoding="utf-8"?>
 <p:sld xmlns:a="http://schemas.openxmlformats.org/drawingml/2006/main" xmlns:r="http://schemas.openxmlformats.org/officeDocument/2006/relationships" xmlns:p="http://schemas.openxmlformats.org/presentationml/2006/main">
   <p:cSld>
-    <p:bg>
-      <p:bgPr>
-        <a:blipFill dpi="0" rotWithShape="1">
-          <a:blip r:embed="rId3">
-            <a:alphaModFix amt="70000"/>
-            <a:lum/>
-          </a:blip>
-          <a:srcRect/>
-          <a:stretch>
-            <a:fillRect t="-39000" b="-39000"/>
-          </a:stretch>
-        </a:blipFill>
-        <a:effectLst/>
-      </p:bgPr>
-    </p:bg>
     <p:spTree>
       <p:nvGrpSpPr>
         <p:cNvPr id="1" name=""/>
@@ -28602,42 +26785,6 @@
           <a:chExt cx="0" cy="0"/>
         </a:xfrm>
       </p:grpSpPr>
-      <p:pic>
-        <p:nvPicPr>
-          <p:cNvPr id="9" name="Picture 8">
-            <a:extLst>
-              <a:ext uri="{FF2B5EF4-FFF2-40B4-BE49-F238E27FC236}">
-                <a16:creationId xmlns:a16="http://schemas.microsoft.com/office/drawing/2014/main" id="{DF89AA1E-E77D-4509-94FF-4BEFE0691857}"/>
-              </a:ext>
-            </a:extLst>
-          </p:cNvPr>
-          <p:cNvPicPr>
-            <a:picLocks noChangeAspect="1"/>
-          </p:cNvPicPr>
-          <p:nvPr/>
-        </p:nvPicPr>
-        <p:blipFill>
-          <a:blip r:embed="rId4">
-            <a:extLst>
-              <a:ext uri="{28A0092B-C50C-407E-A947-70E740481C1C}">
-                <a14:useLocalDpi xmlns:a14="http://schemas.microsoft.com/office/drawing/2010/main" val="0"/>
-              </a:ext>
-            </a:extLst>
-          </a:blip>
-          <a:stretch>
-            <a:fillRect/>
-          </a:stretch>
-        </p:blipFill>
-        <p:spPr>
-          <a:xfrm>
-            <a:off x="171450" y="171450"/>
-            <a:ext cx="3705225" cy="949464"/>
-          </a:xfrm>
-          <a:prstGeom prst="rect">
-            <a:avLst/>
-          </a:prstGeom>
-        </p:spPr>
-      </p:pic>
       <p:sp>
         <p:nvSpPr>
           <p:cNvPr id="8" name="Title 7">
@@ -28707,7 +26854,7 @@
           <p:nvPr/>
         </p:nvPicPr>
         <p:blipFill>
-          <a:blip r:embed="rId5">
+          <a:blip r:embed="rId3">
             <a:extLst>
               <a:ext uri="{28A0092B-C50C-407E-A947-70E740481C1C}">
                 <a14:useLocalDpi xmlns:a14="http://schemas.microsoft.com/office/drawing/2010/main" val="0"/>
@@ -28744,21 +26891,6 @@
 <file path=ppt/slides/slide9.xml><?xml version="1.0" encoding="utf-8"?>
 <p:sld xmlns:a="http://schemas.openxmlformats.org/drawingml/2006/main" xmlns:r="http://schemas.openxmlformats.org/officeDocument/2006/relationships" xmlns:p="http://schemas.openxmlformats.org/presentationml/2006/main">
   <p:cSld>
-    <p:bg>
-      <p:bgPr>
-        <a:blipFill dpi="0" rotWithShape="1">
-          <a:blip r:embed="rId3">
-            <a:alphaModFix amt="70000"/>
-            <a:lum/>
-          </a:blip>
-          <a:srcRect/>
-          <a:stretch>
-            <a:fillRect t="-39000" b="-39000"/>
-          </a:stretch>
-        </a:blipFill>
-        <a:effectLst/>
-      </p:bgPr>
-    </p:bg>
     <p:spTree>
       <p:nvGrpSpPr>
         <p:cNvPr id="1" name=""/>
@@ -28773,42 +26905,6 @@
           <a:chExt cx="0" cy="0"/>
         </a:xfrm>
       </p:grpSpPr>
-      <p:pic>
-        <p:nvPicPr>
-          <p:cNvPr id="9" name="Picture 8">
-            <a:extLst>
-              <a:ext uri="{FF2B5EF4-FFF2-40B4-BE49-F238E27FC236}">
-                <a16:creationId xmlns:a16="http://schemas.microsoft.com/office/drawing/2014/main" id="{DF89AA1E-E77D-4509-94FF-4BEFE0691857}"/>
-              </a:ext>
-            </a:extLst>
-          </p:cNvPr>
-          <p:cNvPicPr>
-            <a:picLocks noChangeAspect="1"/>
-          </p:cNvPicPr>
-          <p:nvPr/>
-        </p:nvPicPr>
-        <p:blipFill>
-          <a:blip r:embed="rId4">
-            <a:extLst>
-              <a:ext uri="{28A0092B-C50C-407E-A947-70E740481C1C}">
-                <a14:useLocalDpi xmlns:a14="http://schemas.microsoft.com/office/drawing/2010/main" val="0"/>
-              </a:ext>
-            </a:extLst>
-          </a:blip>
-          <a:stretch>
-            <a:fillRect/>
-          </a:stretch>
-        </p:blipFill>
-        <p:spPr>
-          <a:xfrm>
-            <a:off x="171450" y="171450"/>
-            <a:ext cx="3705225" cy="949464"/>
-          </a:xfrm>
-          <a:prstGeom prst="rect">
-            <a:avLst/>
-          </a:prstGeom>
-        </p:spPr>
-      </p:pic>
       <p:sp>
         <p:nvSpPr>
           <p:cNvPr id="8" name="Title 7">
@@ -29226,7 +27322,7 @@
           </p:nvPr>
         </p:nvPicPr>
         <p:blipFill>
-          <a:blip r:embed="rId5">
+          <a:blip r:embed="rId3">
             <a:extLst>
               <a:ext uri="{28A0092B-C50C-407E-A947-70E740481C1C}">
                 <a14:useLocalDpi xmlns:a14="http://schemas.microsoft.com/office/drawing/2010/main" val="0"/>
@@ -29845,4 +27941,10 @@
     </a:ext>
   </a:extLst>
 </a:theme>
+</file>
+
+<file path=docMetadata/LabelInfo.xml><?xml version="1.0" encoding="utf-8"?>
+<clbl:labelList xmlns:clbl="http://schemas.microsoft.com/office/2020/mipLabelMetadata">
+  <clbl:label id="{6ade84ad-3c6b-4480-bb7a-7694e5cb1e58}" enabled="1" method="Standard" siteId="{b1a6616c-9473-4cab-82b6-b6affeed3e12}" contentBits="0" removed="0"/>
+</clbl:labelList>
 </file>